--- a/outputs/doe_analysis_reduced.pptx
+++ b/outputs/doe_analysis_reduced.pptx
@@ -30,6 +30,38 @@
     <p:sldId id="278" r:id="rId29"/>
     <p:sldId id="279" r:id="rId30"/>
     <p:sldId id="280" r:id="rId31"/>
+    <p:sldId id="281" r:id="rId32"/>
+    <p:sldId id="282" r:id="rId33"/>
+    <p:sldId id="283" r:id="rId34"/>
+    <p:sldId id="284" r:id="rId35"/>
+    <p:sldId id="285" r:id="rId36"/>
+    <p:sldId id="286" r:id="rId37"/>
+    <p:sldId id="287" r:id="rId38"/>
+    <p:sldId id="288" r:id="rId39"/>
+    <p:sldId id="289" r:id="rId40"/>
+    <p:sldId id="290" r:id="rId41"/>
+    <p:sldId id="291" r:id="rId42"/>
+    <p:sldId id="292" r:id="rId43"/>
+    <p:sldId id="293" r:id="rId44"/>
+    <p:sldId id="294" r:id="rId45"/>
+    <p:sldId id="295" r:id="rId46"/>
+    <p:sldId id="296" r:id="rId47"/>
+    <p:sldId id="297" r:id="rId48"/>
+    <p:sldId id="298" r:id="rId49"/>
+    <p:sldId id="299" r:id="rId50"/>
+    <p:sldId id="300" r:id="rId51"/>
+    <p:sldId id="301" r:id="rId52"/>
+    <p:sldId id="302" r:id="rId53"/>
+    <p:sldId id="303" r:id="rId54"/>
+    <p:sldId id="304" r:id="rId55"/>
+    <p:sldId id="305" r:id="rId56"/>
+    <p:sldId id="306" r:id="rId57"/>
+    <p:sldId id="307" r:id="rId58"/>
+    <p:sldId id="308" r:id="rId59"/>
+    <p:sldId id="309" r:id="rId60"/>
+    <p:sldId id="310" r:id="rId61"/>
+    <p:sldId id="311" r:id="rId62"/>
+    <p:sldId id="312" r:id="rId63"/>
   </p:sldIdLst>
   <p:sldSz cx="9144000" cy="6858000" type="screen4x3"/>
   <p:notesSz cx="6858000" cy="9144000"/>
@@ -3238,7 +3270,7 @@
               </a:defRPr>
             </a:pPr>
             <a:r>
-              <a:t>Analysis Chart 9</a:t>
+              <a:t>Leverage Plot 4</a:t>
             </a:r>
           </a:p>
         </p:txBody>
@@ -3350,7 +3382,7 @@
               </a:defRPr>
             </a:pPr>
             <a:r>
-              <a:t>Analysis Chart 10</a:t>
+              <a:t>Leverage Plot 5</a:t>
             </a:r>
           </a:p>
         </p:txBody>
@@ -3462,7 +3494,7 @@
               </a:defRPr>
             </a:pPr>
             <a:r>
-              <a:t>Analysis Chart 11</a:t>
+              <a:t>Leverage Plot 6</a:t>
             </a:r>
           </a:p>
         </p:txBody>
@@ -3574,7 +3606,7 @@
               </a:defRPr>
             </a:pPr>
             <a:r>
-              <a:t>Analysis Chart 12</a:t>
+              <a:t>Leverage Plot 7</a:t>
             </a:r>
           </a:p>
         </p:txBody>
@@ -3686,7 +3718,7 @@
               </a:defRPr>
             </a:pPr>
             <a:r>
-              <a:t>Analysis Chart 13</a:t>
+              <a:t>Leverage Plot 8</a:t>
             </a:r>
           </a:p>
         </p:txBody>
@@ -3798,7 +3830,7 @@
               </a:defRPr>
             </a:pPr>
             <a:r>
-              <a:t>Analysis Chart 14</a:t>
+              <a:t>Leverage Plot 9</a:t>
             </a:r>
           </a:p>
         </p:txBody>
@@ -3910,7 +3942,7 @@
               </a:defRPr>
             </a:pPr>
             <a:r>
-              <a:t>Analysis Chart 15</a:t>
+              <a:t>Leverage Plot 10</a:t>
             </a:r>
           </a:p>
         </p:txBody>
@@ -4022,7 +4054,7 @@
               </a:defRPr>
             </a:pPr>
             <a:r>
-              <a:t>Analysis Chart 16</a:t>
+              <a:t>Leverage Plot 11</a:t>
             </a:r>
           </a:p>
         </p:txBody>
@@ -4134,7 +4166,7 @@
               </a:defRPr>
             </a:pPr>
             <a:r>
-              <a:t>Analysis Chart 17</a:t>
+              <a:t>Leverage Plot 12</a:t>
             </a:r>
           </a:p>
         </p:txBody>
@@ -4246,7 +4278,7 @@
               </a:defRPr>
             </a:pPr>
             <a:r>
-              <a:t>Analysis Chart 18</a:t>
+              <a:t>Leverage Plot 13</a:t>
             </a:r>
           </a:p>
         </p:txBody>
@@ -4358,7 +4390,7 @@
               </a:defRPr>
             </a:pPr>
             <a:r>
-              <a:t>Analysis Chart 1</a:t>
+              <a:t>Model Fit Diagram</a:t>
             </a:r>
           </a:p>
         </p:txBody>
@@ -4470,7 +4502,7 @@
               </a:defRPr>
             </a:pPr>
             <a:r>
-              <a:t>Analysis Chart 19</a:t>
+              <a:t>Leverage Plot 14</a:t>
             </a:r>
           </a:p>
         </p:txBody>
@@ -4582,7 +4614,7 @@
               </a:defRPr>
             </a:pPr>
             <a:r>
-              <a:t>Analysis Chart 20</a:t>
+              <a:t>Leverage Plot 15</a:t>
             </a:r>
           </a:p>
         </p:txBody>
@@ -4694,7 +4726,2185 @@
               </a:defRPr>
             </a:pPr>
             <a:r>
-              <a:t>Results Table 1</a:t>
+              <a:t>Leverage Plot 16</a:t>
+            </a:r>
+          </a:p>
+        </p:txBody>
+      </p:sp>
+      <p:cxnSp>
+        <p:nvCxnSpPr>
+          <p:cNvPr id="3" name="Connector 2"/>
+          <p:cNvCxnSpPr/>
+          <p:nvPr/>
+        </p:nvCxnSpPr>
+        <p:spPr>
+          <a:xfrm>
+            <a:off x="457200" y="1005840"/>
+            <a:ext cx="8229600" cy="0"/>
+          </a:xfrm>
+          <a:prstGeom prst="line">
+            <a:avLst/>
+          </a:prstGeom>
+          <a:ln w="25400">
+            <a:solidFill>
+              <a:srgbClr val="1F4E79"/>
+            </a:solidFill>
+          </a:ln>
+        </p:spPr>
+        <p:style>
+          <a:lnRef idx="2">
+            <a:schemeClr val="accent1"/>
+          </a:lnRef>
+          <a:fillRef idx="0">
+            <a:schemeClr val="accent1"/>
+          </a:fillRef>
+          <a:effectRef idx="1">
+            <a:schemeClr val="accent1"/>
+          </a:effectRef>
+          <a:fontRef idx="minor">
+            <a:schemeClr val="tx1"/>
+          </a:fontRef>
+        </p:style>
+      </p:cxnSp>
+      <p:pic>
+        <p:nvPicPr>
+          <p:cNvPr id="4" name="Picture 3" descr="image.png"/>
+          <p:cNvPicPr>
+            <a:picLocks noChangeAspect="1"/>
+          </p:cNvPicPr>
+          <p:nvPr/>
+        </p:nvPicPr>
+        <p:blipFill>
+          <a:blip r:embed="rId2"/>
+          <a:stretch>
+            <a:fillRect/>
+          </a:stretch>
+        </p:blipFill>
+        <p:spPr>
+          <a:xfrm>
+            <a:off x="914400" y="1280160"/>
+            <a:ext cx="7315200" cy="4180114"/>
+          </a:xfrm>
+          <a:prstGeom prst="rect">
+            <a:avLst/>
+          </a:prstGeom>
+        </p:spPr>
+      </p:pic>
+    </p:spTree>
+  </p:cSld>
+  <p:clrMapOvr>
+    <a:masterClrMapping/>
+  </p:clrMapOvr>
+</p:sld>
+</file>
+
+<file path=ppt/slides/slide23.xml><?xml version="1.0" encoding="utf-8"?>
+<p:sld xmlns:a="http://schemas.openxmlformats.org/drawingml/2006/main" xmlns:p="http://schemas.openxmlformats.org/presentationml/2006/main" xmlns:r="http://schemas.openxmlformats.org/officeDocument/2006/relationships">
+  <p:cSld>
+    <p:spTree>
+      <p:nvGrpSpPr>
+        <p:cNvPr id="1" name=""/>
+        <p:cNvGrpSpPr/>
+        <p:nvPr/>
+      </p:nvGrpSpPr>
+      <p:grpSpPr/>
+      <p:sp>
+        <p:nvSpPr>
+          <p:cNvPr id="2" name="TextBox 1"/>
+          <p:cNvSpPr txBox="1"/>
+          <p:nvPr/>
+        </p:nvSpPr>
+        <p:spPr>
+          <a:xfrm>
+            <a:off x="457200" y="365760"/>
+            <a:ext cx="8229600" cy="548640"/>
+          </a:xfrm>
+          <a:prstGeom prst="rect">
+            <a:avLst/>
+          </a:prstGeom>
+          <a:noFill/>
+        </p:spPr>
+        <p:txBody>
+          <a:bodyPr wrap="none">
+            <a:spAutoFit/>
+          </a:bodyPr>
+          <a:lstStyle/>
+          <a:p>
+            <a:pPr>
+              <a:defRPr sz="4000" b="1">
+                <a:solidFill>
+                  <a:srgbClr val="1F4E79"/>
+                </a:solidFill>
+              </a:defRPr>
+            </a:pPr>
+            <a:r>
+              <a:t>Leverage Plot 17</a:t>
+            </a:r>
+          </a:p>
+        </p:txBody>
+      </p:sp>
+      <p:cxnSp>
+        <p:nvCxnSpPr>
+          <p:cNvPr id="3" name="Connector 2"/>
+          <p:cNvCxnSpPr/>
+          <p:nvPr/>
+        </p:nvCxnSpPr>
+        <p:spPr>
+          <a:xfrm>
+            <a:off x="457200" y="1005840"/>
+            <a:ext cx="8229600" cy="0"/>
+          </a:xfrm>
+          <a:prstGeom prst="line">
+            <a:avLst/>
+          </a:prstGeom>
+          <a:ln w="25400">
+            <a:solidFill>
+              <a:srgbClr val="1F4E79"/>
+            </a:solidFill>
+          </a:ln>
+        </p:spPr>
+        <p:style>
+          <a:lnRef idx="2">
+            <a:schemeClr val="accent1"/>
+          </a:lnRef>
+          <a:fillRef idx="0">
+            <a:schemeClr val="accent1"/>
+          </a:fillRef>
+          <a:effectRef idx="1">
+            <a:schemeClr val="accent1"/>
+          </a:effectRef>
+          <a:fontRef idx="minor">
+            <a:schemeClr val="tx1"/>
+          </a:fontRef>
+        </p:style>
+      </p:cxnSp>
+      <p:pic>
+        <p:nvPicPr>
+          <p:cNvPr id="4" name="Picture 3" descr="image.png"/>
+          <p:cNvPicPr>
+            <a:picLocks noChangeAspect="1"/>
+          </p:cNvPicPr>
+          <p:nvPr/>
+        </p:nvPicPr>
+        <p:blipFill>
+          <a:blip r:embed="rId2"/>
+          <a:stretch>
+            <a:fillRect/>
+          </a:stretch>
+        </p:blipFill>
+        <p:spPr>
+          <a:xfrm>
+            <a:off x="914400" y="1280160"/>
+            <a:ext cx="7315200" cy="4180114"/>
+          </a:xfrm>
+          <a:prstGeom prst="rect">
+            <a:avLst/>
+          </a:prstGeom>
+        </p:spPr>
+      </p:pic>
+    </p:spTree>
+  </p:cSld>
+  <p:clrMapOvr>
+    <a:masterClrMapping/>
+  </p:clrMapOvr>
+</p:sld>
+</file>
+
+<file path=ppt/slides/slide24.xml><?xml version="1.0" encoding="utf-8"?>
+<p:sld xmlns:a="http://schemas.openxmlformats.org/drawingml/2006/main" xmlns:p="http://schemas.openxmlformats.org/presentationml/2006/main" xmlns:r="http://schemas.openxmlformats.org/officeDocument/2006/relationships">
+  <p:cSld>
+    <p:spTree>
+      <p:nvGrpSpPr>
+        <p:cNvPr id="1" name=""/>
+        <p:cNvGrpSpPr/>
+        <p:nvPr/>
+      </p:nvGrpSpPr>
+      <p:grpSpPr/>
+      <p:sp>
+        <p:nvSpPr>
+          <p:cNvPr id="2" name="TextBox 1"/>
+          <p:cNvSpPr txBox="1"/>
+          <p:nvPr/>
+        </p:nvSpPr>
+        <p:spPr>
+          <a:xfrm>
+            <a:off x="457200" y="365760"/>
+            <a:ext cx="8229600" cy="548640"/>
+          </a:xfrm>
+          <a:prstGeom prst="rect">
+            <a:avLst/>
+          </a:prstGeom>
+          <a:noFill/>
+        </p:spPr>
+        <p:txBody>
+          <a:bodyPr wrap="none">
+            <a:spAutoFit/>
+          </a:bodyPr>
+          <a:lstStyle/>
+          <a:p>
+            <a:pPr>
+              <a:defRPr sz="4000" b="1">
+                <a:solidFill>
+                  <a:srgbClr val="1F4E79"/>
+                </a:solidFill>
+              </a:defRPr>
+            </a:pPr>
+            <a:r>
+              <a:t>Leverage Plot 18</a:t>
+            </a:r>
+          </a:p>
+        </p:txBody>
+      </p:sp>
+      <p:cxnSp>
+        <p:nvCxnSpPr>
+          <p:cNvPr id="3" name="Connector 2"/>
+          <p:cNvCxnSpPr/>
+          <p:nvPr/>
+        </p:nvCxnSpPr>
+        <p:spPr>
+          <a:xfrm>
+            <a:off x="457200" y="1005840"/>
+            <a:ext cx="8229600" cy="0"/>
+          </a:xfrm>
+          <a:prstGeom prst="line">
+            <a:avLst/>
+          </a:prstGeom>
+          <a:ln w="25400">
+            <a:solidFill>
+              <a:srgbClr val="1F4E79"/>
+            </a:solidFill>
+          </a:ln>
+        </p:spPr>
+        <p:style>
+          <a:lnRef idx="2">
+            <a:schemeClr val="accent1"/>
+          </a:lnRef>
+          <a:fillRef idx="0">
+            <a:schemeClr val="accent1"/>
+          </a:fillRef>
+          <a:effectRef idx="1">
+            <a:schemeClr val="accent1"/>
+          </a:effectRef>
+          <a:fontRef idx="minor">
+            <a:schemeClr val="tx1"/>
+          </a:fontRef>
+        </p:style>
+      </p:cxnSp>
+      <p:pic>
+        <p:nvPicPr>
+          <p:cNvPr id="4" name="Picture 3" descr="image.png"/>
+          <p:cNvPicPr>
+            <a:picLocks noChangeAspect="1"/>
+          </p:cNvPicPr>
+          <p:nvPr/>
+        </p:nvPicPr>
+        <p:blipFill>
+          <a:blip r:embed="rId2"/>
+          <a:stretch>
+            <a:fillRect/>
+          </a:stretch>
+        </p:blipFill>
+        <p:spPr>
+          <a:xfrm>
+            <a:off x="914400" y="1280160"/>
+            <a:ext cx="7315200" cy="4180114"/>
+          </a:xfrm>
+          <a:prstGeom prst="rect">
+            <a:avLst/>
+          </a:prstGeom>
+        </p:spPr>
+      </p:pic>
+    </p:spTree>
+  </p:cSld>
+  <p:clrMapOvr>
+    <a:masterClrMapping/>
+  </p:clrMapOvr>
+</p:sld>
+</file>
+
+<file path=ppt/slides/slide25.xml><?xml version="1.0" encoding="utf-8"?>
+<p:sld xmlns:a="http://schemas.openxmlformats.org/drawingml/2006/main" xmlns:p="http://schemas.openxmlformats.org/presentationml/2006/main" xmlns:r="http://schemas.openxmlformats.org/officeDocument/2006/relationships">
+  <p:cSld>
+    <p:spTree>
+      <p:nvGrpSpPr>
+        <p:cNvPr id="1" name=""/>
+        <p:cNvGrpSpPr/>
+        <p:nvPr/>
+      </p:nvGrpSpPr>
+      <p:grpSpPr/>
+      <p:sp>
+        <p:nvSpPr>
+          <p:cNvPr id="2" name="TextBox 1"/>
+          <p:cNvSpPr txBox="1"/>
+          <p:nvPr/>
+        </p:nvSpPr>
+        <p:spPr>
+          <a:xfrm>
+            <a:off x="457200" y="365760"/>
+            <a:ext cx="8229600" cy="548640"/>
+          </a:xfrm>
+          <a:prstGeom prst="rect">
+            <a:avLst/>
+          </a:prstGeom>
+          <a:noFill/>
+        </p:spPr>
+        <p:txBody>
+          <a:bodyPr wrap="none">
+            <a:spAutoFit/>
+          </a:bodyPr>
+          <a:lstStyle/>
+          <a:p>
+            <a:pPr>
+              <a:defRPr sz="4000" b="1">
+                <a:solidFill>
+                  <a:srgbClr val="1F4E79"/>
+                </a:solidFill>
+              </a:defRPr>
+            </a:pPr>
+            <a:r>
+              <a:t>Leverage Plot 19</a:t>
+            </a:r>
+          </a:p>
+        </p:txBody>
+      </p:sp>
+      <p:cxnSp>
+        <p:nvCxnSpPr>
+          <p:cNvPr id="3" name="Connector 2"/>
+          <p:cNvCxnSpPr/>
+          <p:nvPr/>
+        </p:nvCxnSpPr>
+        <p:spPr>
+          <a:xfrm>
+            <a:off x="457200" y="1005840"/>
+            <a:ext cx="8229600" cy="0"/>
+          </a:xfrm>
+          <a:prstGeom prst="line">
+            <a:avLst/>
+          </a:prstGeom>
+          <a:ln w="25400">
+            <a:solidFill>
+              <a:srgbClr val="1F4E79"/>
+            </a:solidFill>
+          </a:ln>
+        </p:spPr>
+        <p:style>
+          <a:lnRef idx="2">
+            <a:schemeClr val="accent1"/>
+          </a:lnRef>
+          <a:fillRef idx="0">
+            <a:schemeClr val="accent1"/>
+          </a:fillRef>
+          <a:effectRef idx="1">
+            <a:schemeClr val="accent1"/>
+          </a:effectRef>
+          <a:fontRef idx="minor">
+            <a:schemeClr val="tx1"/>
+          </a:fontRef>
+        </p:style>
+      </p:cxnSp>
+      <p:pic>
+        <p:nvPicPr>
+          <p:cNvPr id="4" name="Picture 3" descr="image.png"/>
+          <p:cNvPicPr>
+            <a:picLocks noChangeAspect="1"/>
+          </p:cNvPicPr>
+          <p:nvPr/>
+        </p:nvPicPr>
+        <p:blipFill>
+          <a:blip r:embed="rId2"/>
+          <a:stretch>
+            <a:fillRect/>
+          </a:stretch>
+        </p:blipFill>
+        <p:spPr>
+          <a:xfrm>
+            <a:off x="914400" y="1280160"/>
+            <a:ext cx="7315200" cy="4180114"/>
+          </a:xfrm>
+          <a:prstGeom prst="rect">
+            <a:avLst/>
+          </a:prstGeom>
+        </p:spPr>
+      </p:pic>
+    </p:spTree>
+  </p:cSld>
+  <p:clrMapOvr>
+    <a:masterClrMapping/>
+  </p:clrMapOvr>
+</p:sld>
+</file>
+
+<file path=ppt/slides/slide26.xml><?xml version="1.0" encoding="utf-8"?>
+<p:sld xmlns:a="http://schemas.openxmlformats.org/drawingml/2006/main" xmlns:p="http://schemas.openxmlformats.org/presentationml/2006/main" xmlns:r="http://schemas.openxmlformats.org/officeDocument/2006/relationships">
+  <p:cSld>
+    <p:spTree>
+      <p:nvGrpSpPr>
+        <p:cNvPr id="1" name=""/>
+        <p:cNvGrpSpPr/>
+        <p:nvPr/>
+      </p:nvGrpSpPr>
+      <p:grpSpPr/>
+      <p:sp>
+        <p:nvSpPr>
+          <p:cNvPr id="2" name="TextBox 1"/>
+          <p:cNvSpPr txBox="1"/>
+          <p:nvPr/>
+        </p:nvSpPr>
+        <p:spPr>
+          <a:xfrm>
+            <a:off x="457200" y="365760"/>
+            <a:ext cx="8229600" cy="548640"/>
+          </a:xfrm>
+          <a:prstGeom prst="rect">
+            <a:avLst/>
+          </a:prstGeom>
+          <a:noFill/>
+        </p:spPr>
+        <p:txBody>
+          <a:bodyPr wrap="none">
+            <a:spAutoFit/>
+          </a:bodyPr>
+          <a:lstStyle/>
+          <a:p>
+            <a:pPr>
+              <a:defRPr sz="4000" b="1">
+                <a:solidFill>
+                  <a:srgbClr val="1F4E79"/>
+                </a:solidFill>
+              </a:defRPr>
+            </a:pPr>
+            <a:r>
+              <a:t>Leverage Plot 20</a:t>
+            </a:r>
+          </a:p>
+        </p:txBody>
+      </p:sp>
+      <p:cxnSp>
+        <p:nvCxnSpPr>
+          <p:cNvPr id="3" name="Connector 2"/>
+          <p:cNvCxnSpPr/>
+          <p:nvPr/>
+        </p:nvCxnSpPr>
+        <p:spPr>
+          <a:xfrm>
+            <a:off x="457200" y="1005840"/>
+            <a:ext cx="8229600" cy="0"/>
+          </a:xfrm>
+          <a:prstGeom prst="line">
+            <a:avLst/>
+          </a:prstGeom>
+          <a:ln w="25400">
+            <a:solidFill>
+              <a:srgbClr val="1F4E79"/>
+            </a:solidFill>
+          </a:ln>
+        </p:spPr>
+        <p:style>
+          <a:lnRef idx="2">
+            <a:schemeClr val="accent1"/>
+          </a:lnRef>
+          <a:fillRef idx="0">
+            <a:schemeClr val="accent1"/>
+          </a:fillRef>
+          <a:effectRef idx="1">
+            <a:schemeClr val="accent1"/>
+          </a:effectRef>
+          <a:fontRef idx="minor">
+            <a:schemeClr val="tx1"/>
+          </a:fontRef>
+        </p:style>
+      </p:cxnSp>
+      <p:pic>
+        <p:nvPicPr>
+          <p:cNvPr id="4" name="Picture 3" descr="image.png"/>
+          <p:cNvPicPr>
+            <a:picLocks noChangeAspect="1"/>
+          </p:cNvPicPr>
+          <p:nvPr/>
+        </p:nvPicPr>
+        <p:blipFill>
+          <a:blip r:embed="rId2"/>
+          <a:stretch>
+            <a:fillRect/>
+          </a:stretch>
+        </p:blipFill>
+        <p:spPr>
+          <a:xfrm>
+            <a:off x="914400" y="1280160"/>
+            <a:ext cx="7315200" cy="4180114"/>
+          </a:xfrm>
+          <a:prstGeom prst="rect">
+            <a:avLst/>
+          </a:prstGeom>
+        </p:spPr>
+      </p:pic>
+    </p:spTree>
+  </p:cSld>
+  <p:clrMapOvr>
+    <a:masterClrMapping/>
+  </p:clrMapOvr>
+</p:sld>
+</file>
+
+<file path=ppt/slides/slide27.xml><?xml version="1.0" encoding="utf-8"?>
+<p:sld xmlns:a="http://schemas.openxmlformats.org/drawingml/2006/main" xmlns:p="http://schemas.openxmlformats.org/presentationml/2006/main" xmlns:r="http://schemas.openxmlformats.org/officeDocument/2006/relationships">
+  <p:cSld>
+    <p:spTree>
+      <p:nvGrpSpPr>
+        <p:cNvPr id="1" name=""/>
+        <p:cNvGrpSpPr/>
+        <p:nvPr/>
+      </p:nvGrpSpPr>
+      <p:grpSpPr/>
+      <p:sp>
+        <p:nvSpPr>
+          <p:cNvPr id="2" name="TextBox 1"/>
+          <p:cNvSpPr txBox="1"/>
+          <p:nvPr/>
+        </p:nvSpPr>
+        <p:spPr>
+          <a:xfrm>
+            <a:off x="457200" y="365760"/>
+            <a:ext cx="8229600" cy="548640"/>
+          </a:xfrm>
+          <a:prstGeom prst="rect">
+            <a:avLst/>
+          </a:prstGeom>
+          <a:noFill/>
+        </p:spPr>
+        <p:txBody>
+          <a:bodyPr wrap="none">
+            <a:spAutoFit/>
+          </a:bodyPr>
+          <a:lstStyle/>
+          <a:p>
+            <a:pPr>
+              <a:defRPr sz="4000" b="1">
+                <a:solidFill>
+                  <a:srgbClr val="1F4E79"/>
+                </a:solidFill>
+              </a:defRPr>
+            </a:pPr>
+            <a:r>
+              <a:t>Leverage Plot 21</a:t>
+            </a:r>
+          </a:p>
+        </p:txBody>
+      </p:sp>
+      <p:cxnSp>
+        <p:nvCxnSpPr>
+          <p:cNvPr id="3" name="Connector 2"/>
+          <p:cNvCxnSpPr/>
+          <p:nvPr/>
+        </p:nvCxnSpPr>
+        <p:spPr>
+          <a:xfrm>
+            <a:off x="457200" y="1005840"/>
+            <a:ext cx="8229600" cy="0"/>
+          </a:xfrm>
+          <a:prstGeom prst="line">
+            <a:avLst/>
+          </a:prstGeom>
+          <a:ln w="25400">
+            <a:solidFill>
+              <a:srgbClr val="1F4E79"/>
+            </a:solidFill>
+          </a:ln>
+        </p:spPr>
+        <p:style>
+          <a:lnRef idx="2">
+            <a:schemeClr val="accent1"/>
+          </a:lnRef>
+          <a:fillRef idx="0">
+            <a:schemeClr val="accent1"/>
+          </a:fillRef>
+          <a:effectRef idx="1">
+            <a:schemeClr val="accent1"/>
+          </a:effectRef>
+          <a:fontRef idx="minor">
+            <a:schemeClr val="tx1"/>
+          </a:fontRef>
+        </p:style>
+      </p:cxnSp>
+      <p:pic>
+        <p:nvPicPr>
+          <p:cNvPr id="4" name="Picture 3" descr="image.png"/>
+          <p:cNvPicPr>
+            <a:picLocks noChangeAspect="1"/>
+          </p:cNvPicPr>
+          <p:nvPr/>
+        </p:nvPicPr>
+        <p:blipFill>
+          <a:blip r:embed="rId2"/>
+          <a:stretch>
+            <a:fillRect/>
+          </a:stretch>
+        </p:blipFill>
+        <p:spPr>
+          <a:xfrm>
+            <a:off x="914400" y="1280160"/>
+            <a:ext cx="7315200" cy="4180114"/>
+          </a:xfrm>
+          <a:prstGeom prst="rect">
+            <a:avLst/>
+          </a:prstGeom>
+        </p:spPr>
+      </p:pic>
+    </p:spTree>
+  </p:cSld>
+  <p:clrMapOvr>
+    <a:masterClrMapping/>
+  </p:clrMapOvr>
+</p:sld>
+</file>
+
+<file path=ppt/slides/slide28.xml><?xml version="1.0" encoding="utf-8"?>
+<p:sld xmlns:a="http://schemas.openxmlformats.org/drawingml/2006/main" xmlns:p="http://schemas.openxmlformats.org/presentationml/2006/main" xmlns:r="http://schemas.openxmlformats.org/officeDocument/2006/relationships">
+  <p:cSld>
+    <p:spTree>
+      <p:nvGrpSpPr>
+        <p:cNvPr id="1" name=""/>
+        <p:cNvGrpSpPr/>
+        <p:nvPr/>
+      </p:nvGrpSpPr>
+      <p:grpSpPr/>
+      <p:sp>
+        <p:nvSpPr>
+          <p:cNvPr id="2" name="TextBox 1"/>
+          <p:cNvSpPr txBox="1"/>
+          <p:nvPr/>
+        </p:nvSpPr>
+        <p:spPr>
+          <a:xfrm>
+            <a:off x="457200" y="365760"/>
+            <a:ext cx="8229600" cy="548640"/>
+          </a:xfrm>
+          <a:prstGeom prst="rect">
+            <a:avLst/>
+          </a:prstGeom>
+          <a:noFill/>
+        </p:spPr>
+        <p:txBody>
+          <a:bodyPr wrap="none">
+            <a:spAutoFit/>
+          </a:bodyPr>
+          <a:lstStyle/>
+          <a:p>
+            <a:pPr>
+              <a:defRPr sz="4000" b="1">
+                <a:solidFill>
+                  <a:srgbClr val="1F4E79"/>
+                </a:solidFill>
+              </a:defRPr>
+            </a:pPr>
+            <a:r>
+              <a:t>Leverage Plot 22</a:t>
+            </a:r>
+          </a:p>
+        </p:txBody>
+      </p:sp>
+      <p:cxnSp>
+        <p:nvCxnSpPr>
+          <p:cNvPr id="3" name="Connector 2"/>
+          <p:cNvCxnSpPr/>
+          <p:nvPr/>
+        </p:nvCxnSpPr>
+        <p:spPr>
+          <a:xfrm>
+            <a:off x="457200" y="1005840"/>
+            <a:ext cx="8229600" cy="0"/>
+          </a:xfrm>
+          <a:prstGeom prst="line">
+            <a:avLst/>
+          </a:prstGeom>
+          <a:ln w="25400">
+            <a:solidFill>
+              <a:srgbClr val="1F4E79"/>
+            </a:solidFill>
+          </a:ln>
+        </p:spPr>
+        <p:style>
+          <a:lnRef idx="2">
+            <a:schemeClr val="accent1"/>
+          </a:lnRef>
+          <a:fillRef idx="0">
+            <a:schemeClr val="accent1"/>
+          </a:fillRef>
+          <a:effectRef idx="1">
+            <a:schemeClr val="accent1"/>
+          </a:effectRef>
+          <a:fontRef idx="minor">
+            <a:schemeClr val="tx1"/>
+          </a:fontRef>
+        </p:style>
+      </p:cxnSp>
+      <p:pic>
+        <p:nvPicPr>
+          <p:cNvPr id="4" name="Picture 3" descr="image.png"/>
+          <p:cNvPicPr>
+            <a:picLocks noChangeAspect="1"/>
+          </p:cNvPicPr>
+          <p:nvPr/>
+        </p:nvPicPr>
+        <p:blipFill>
+          <a:blip r:embed="rId2"/>
+          <a:stretch>
+            <a:fillRect/>
+          </a:stretch>
+        </p:blipFill>
+        <p:spPr>
+          <a:xfrm>
+            <a:off x="914400" y="1280160"/>
+            <a:ext cx="7315200" cy="4180114"/>
+          </a:xfrm>
+          <a:prstGeom prst="rect">
+            <a:avLst/>
+          </a:prstGeom>
+        </p:spPr>
+      </p:pic>
+    </p:spTree>
+  </p:cSld>
+  <p:clrMapOvr>
+    <a:masterClrMapping/>
+  </p:clrMapOvr>
+</p:sld>
+</file>
+
+<file path=ppt/slides/slide29.xml><?xml version="1.0" encoding="utf-8"?>
+<p:sld xmlns:a="http://schemas.openxmlformats.org/drawingml/2006/main" xmlns:p="http://schemas.openxmlformats.org/presentationml/2006/main" xmlns:r="http://schemas.openxmlformats.org/officeDocument/2006/relationships">
+  <p:cSld>
+    <p:spTree>
+      <p:nvGrpSpPr>
+        <p:cNvPr id="1" name=""/>
+        <p:cNvGrpSpPr/>
+        <p:nvPr/>
+      </p:nvGrpSpPr>
+      <p:grpSpPr/>
+      <p:sp>
+        <p:nvSpPr>
+          <p:cNvPr id="2" name="TextBox 1"/>
+          <p:cNvSpPr txBox="1"/>
+          <p:nvPr/>
+        </p:nvSpPr>
+        <p:spPr>
+          <a:xfrm>
+            <a:off x="457200" y="365760"/>
+            <a:ext cx="8229600" cy="548640"/>
+          </a:xfrm>
+          <a:prstGeom prst="rect">
+            <a:avLst/>
+          </a:prstGeom>
+          <a:noFill/>
+        </p:spPr>
+        <p:txBody>
+          <a:bodyPr wrap="none">
+            <a:spAutoFit/>
+          </a:bodyPr>
+          <a:lstStyle/>
+          <a:p>
+            <a:pPr>
+              <a:defRPr sz="4000" b="1">
+                <a:solidFill>
+                  <a:srgbClr val="1F4E79"/>
+                </a:solidFill>
+              </a:defRPr>
+            </a:pPr>
+            <a:r>
+              <a:t>Leverage Plot 23</a:t>
+            </a:r>
+          </a:p>
+        </p:txBody>
+      </p:sp>
+      <p:cxnSp>
+        <p:nvCxnSpPr>
+          <p:cNvPr id="3" name="Connector 2"/>
+          <p:cNvCxnSpPr/>
+          <p:nvPr/>
+        </p:nvCxnSpPr>
+        <p:spPr>
+          <a:xfrm>
+            <a:off x="457200" y="1005840"/>
+            <a:ext cx="8229600" cy="0"/>
+          </a:xfrm>
+          <a:prstGeom prst="line">
+            <a:avLst/>
+          </a:prstGeom>
+          <a:ln w="25400">
+            <a:solidFill>
+              <a:srgbClr val="1F4E79"/>
+            </a:solidFill>
+          </a:ln>
+        </p:spPr>
+        <p:style>
+          <a:lnRef idx="2">
+            <a:schemeClr val="accent1"/>
+          </a:lnRef>
+          <a:fillRef idx="0">
+            <a:schemeClr val="accent1"/>
+          </a:fillRef>
+          <a:effectRef idx="1">
+            <a:schemeClr val="accent1"/>
+          </a:effectRef>
+          <a:fontRef idx="minor">
+            <a:schemeClr val="tx1"/>
+          </a:fontRef>
+        </p:style>
+      </p:cxnSp>
+      <p:pic>
+        <p:nvPicPr>
+          <p:cNvPr id="4" name="Picture 3" descr="image.png"/>
+          <p:cNvPicPr>
+            <a:picLocks noChangeAspect="1"/>
+          </p:cNvPicPr>
+          <p:nvPr/>
+        </p:nvPicPr>
+        <p:blipFill>
+          <a:blip r:embed="rId2"/>
+          <a:stretch>
+            <a:fillRect/>
+          </a:stretch>
+        </p:blipFill>
+        <p:spPr>
+          <a:xfrm>
+            <a:off x="914400" y="1280160"/>
+            <a:ext cx="7315200" cy="4180114"/>
+          </a:xfrm>
+          <a:prstGeom prst="rect">
+            <a:avLst/>
+          </a:prstGeom>
+        </p:spPr>
+      </p:pic>
+    </p:spTree>
+  </p:cSld>
+  <p:clrMapOvr>
+    <a:masterClrMapping/>
+  </p:clrMapOvr>
+</p:sld>
+</file>
+
+<file path=ppt/slides/slide3.xml><?xml version="1.0" encoding="utf-8"?>
+<p:sld xmlns:a="http://schemas.openxmlformats.org/drawingml/2006/main" xmlns:p="http://schemas.openxmlformats.org/presentationml/2006/main" xmlns:r="http://schemas.openxmlformats.org/officeDocument/2006/relationships">
+  <p:cSld>
+    <p:spTree>
+      <p:nvGrpSpPr>
+        <p:cNvPr id="1" name=""/>
+        <p:cNvGrpSpPr/>
+        <p:nvPr/>
+      </p:nvGrpSpPr>
+      <p:grpSpPr/>
+      <p:sp>
+        <p:nvSpPr>
+          <p:cNvPr id="2" name="TextBox 1"/>
+          <p:cNvSpPr txBox="1"/>
+          <p:nvPr/>
+        </p:nvSpPr>
+        <p:spPr>
+          <a:xfrm>
+            <a:off x="457200" y="365760"/>
+            <a:ext cx="8229600" cy="548640"/>
+          </a:xfrm>
+          <a:prstGeom prst="rect">
+            <a:avLst/>
+          </a:prstGeom>
+          <a:noFill/>
+        </p:spPr>
+        <p:txBody>
+          <a:bodyPr wrap="none">
+            <a:spAutoFit/>
+          </a:bodyPr>
+          <a:lstStyle/>
+          <a:p>
+            <a:pPr>
+              <a:defRPr sz="4000" b="1">
+                <a:solidFill>
+                  <a:srgbClr val="1F4E79"/>
+                </a:solidFill>
+              </a:defRPr>
+            </a:pPr>
+            <a:r>
+              <a:t>Model Equation</a:t>
+            </a:r>
+          </a:p>
+        </p:txBody>
+      </p:sp>
+      <p:cxnSp>
+        <p:nvCxnSpPr>
+          <p:cNvPr id="3" name="Connector 2"/>
+          <p:cNvCxnSpPr/>
+          <p:nvPr/>
+        </p:nvCxnSpPr>
+        <p:spPr>
+          <a:xfrm>
+            <a:off x="457200" y="1005840"/>
+            <a:ext cx="8229600" cy="0"/>
+          </a:xfrm>
+          <a:prstGeom prst="line">
+            <a:avLst/>
+          </a:prstGeom>
+          <a:ln w="25400">
+            <a:solidFill>
+              <a:srgbClr val="1F4E79"/>
+            </a:solidFill>
+          </a:ln>
+        </p:spPr>
+        <p:style>
+          <a:lnRef idx="2">
+            <a:schemeClr val="accent1"/>
+          </a:lnRef>
+          <a:fillRef idx="0">
+            <a:schemeClr val="accent1"/>
+          </a:fillRef>
+          <a:effectRef idx="1">
+            <a:schemeClr val="accent1"/>
+          </a:effectRef>
+          <a:fontRef idx="minor">
+            <a:schemeClr val="tx1"/>
+          </a:fontRef>
+        </p:style>
+      </p:cxnSp>
+      <p:sp>
+        <p:nvSpPr>
+          <p:cNvPr id="4" name="TextBox 3"/>
+          <p:cNvSpPr txBox="1"/>
+          <p:nvPr/>
+        </p:nvSpPr>
+        <p:spPr>
+          <a:xfrm>
+            <a:off x="640080" y="1280160"/>
+            <a:ext cx="7863840" cy="4754880"/>
+          </a:xfrm>
+          <a:prstGeom prst="rect">
+            <a:avLst/>
+          </a:prstGeom>
+          <a:noFill/>
+        </p:spPr>
+        <p:txBody>
+          <a:bodyPr wrap="square">
+            <a:spAutoFit/>
+          </a:bodyPr>
+          <a:lstStyle/>
+          <a:p>
+            <a:pPr>
+              <a:defRPr sz="1600"/>
+            </a:pPr>
+            <a:r>
+              <a:t>Model Equation (Reduced):</a:t>
+            </a:r>
+            <a:br/>
+            <a:br/>
+            <a:r>
+              <a:t>Interface_Temp = β₀ + Σ(β_i × Factor_i) + ε</a:t>
+            </a:r>
+            <a:br/>
+            <a:br/>
+            <a:r>
+              <a:t>Where:</a:t>
+            </a:r>
+            <a:br/>
+            <a:r>
+              <a:t>• β₀ = Intercept</a:t>
+            </a:r>
+            <a:br/>
+            <a:r>
+              <a:t>• β_i = Parameter coefficients (non-significant terms removed)</a:t>
+            </a:r>
+            <a:br/>
+            <a:r>
+              <a:t>• Factor_i = Design factors (Transceiver, Fan Speed, Rack Unit)</a:t>
+            </a:r>
+            <a:br/>
+            <a:r>
+              <a:t>• ε = Random error term</a:t>
+            </a:r>
+            <a:br/>
+            <a:br/>
+            <a:r>
+              <a:t>Reduced Model: 451 parameters (-45% from full model)</a:t>
+            </a:r>
+            <a:br/>
+            <a:r>
+              <a:t>Model Type: Multiple Linear Regression</a:t>
+            </a:r>
+            <a:br/>
+            <a:r>
+              <a:t>Response Variable: Interface_Temp</a:t>
+            </a:r>
+            <a:br/>
+            <a:r>
+              <a:t>        </a:t>
+            </a:r>
+          </a:p>
+        </p:txBody>
+      </p:sp>
+    </p:spTree>
+  </p:cSld>
+  <p:clrMapOvr>
+    <a:masterClrMapping/>
+  </p:clrMapOvr>
+</p:sld>
+</file>
+
+<file path=ppt/slides/slide30.xml><?xml version="1.0" encoding="utf-8"?>
+<p:sld xmlns:a="http://schemas.openxmlformats.org/drawingml/2006/main" xmlns:p="http://schemas.openxmlformats.org/presentationml/2006/main" xmlns:r="http://schemas.openxmlformats.org/officeDocument/2006/relationships">
+  <p:cSld>
+    <p:spTree>
+      <p:nvGrpSpPr>
+        <p:cNvPr id="1" name=""/>
+        <p:cNvGrpSpPr/>
+        <p:nvPr/>
+      </p:nvGrpSpPr>
+      <p:grpSpPr/>
+      <p:sp>
+        <p:nvSpPr>
+          <p:cNvPr id="2" name="TextBox 1"/>
+          <p:cNvSpPr txBox="1"/>
+          <p:nvPr/>
+        </p:nvSpPr>
+        <p:spPr>
+          <a:xfrm>
+            <a:off x="457200" y="365760"/>
+            <a:ext cx="8229600" cy="548640"/>
+          </a:xfrm>
+          <a:prstGeom prst="rect">
+            <a:avLst/>
+          </a:prstGeom>
+          <a:noFill/>
+        </p:spPr>
+        <p:txBody>
+          <a:bodyPr wrap="none">
+            <a:spAutoFit/>
+          </a:bodyPr>
+          <a:lstStyle/>
+          <a:p>
+            <a:pPr>
+              <a:defRPr sz="4000" b="1">
+                <a:solidFill>
+                  <a:srgbClr val="1F4E79"/>
+                </a:solidFill>
+              </a:defRPr>
+            </a:pPr>
+            <a:r>
+              <a:t>Leverage Plot 24</a:t>
+            </a:r>
+          </a:p>
+        </p:txBody>
+      </p:sp>
+      <p:cxnSp>
+        <p:nvCxnSpPr>
+          <p:cNvPr id="3" name="Connector 2"/>
+          <p:cNvCxnSpPr/>
+          <p:nvPr/>
+        </p:nvCxnSpPr>
+        <p:spPr>
+          <a:xfrm>
+            <a:off x="457200" y="1005840"/>
+            <a:ext cx="8229600" cy="0"/>
+          </a:xfrm>
+          <a:prstGeom prst="line">
+            <a:avLst/>
+          </a:prstGeom>
+          <a:ln w="25400">
+            <a:solidFill>
+              <a:srgbClr val="1F4E79"/>
+            </a:solidFill>
+          </a:ln>
+        </p:spPr>
+        <p:style>
+          <a:lnRef idx="2">
+            <a:schemeClr val="accent1"/>
+          </a:lnRef>
+          <a:fillRef idx="0">
+            <a:schemeClr val="accent1"/>
+          </a:fillRef>
+          <a:effectRef idx="1">
+            <a:schemeClr val="accent1"/>
+          </a:effectRef>
+          <a:fontRef idx="minor">
+            <a:schemeClr val="tx1"/>
+          </a:fontRef>
+        </p:style>
+      </p:cxnSp>
+      <p:pic>
+        <p:nvPicPr>
+          <p:cNvPr id="4" name="Picture 3" descr="image.png"/>
+          <p:cNvPicPr>
+            <a:picLocks noChangeAspect="1"/>
+          </p:cNvPicPr>
+          <p:nvPr/>
+        </p:nvPicPr>
+        <p:blipFill>
+          <a:blip r:embed="rId2"/>
+          <a:stretch>
+            <a:fillRect/>
+          </a:stretch>
+        </p:blipFill>
+        <p:spPr>
+          <a:xfrm>
+            <a:off x="914400" y="1280160"/>
+            <a:ext cx="7315200" cy="4180114"/>
+          </a:xfrm>
+          <a:prstGeom prst="rect">
+            <a:avLst/>
+          </a:prstGeom>
+        </p:spPr>
+      </p:pic>
+    </p:spTree>
+  </p:cSld>
+  <p:clrMapOvr>
+    <a:masterClrMapping/>
+  </p:clrMapOvr>
+</p:sld>
+</file>
+
+<file path=ppt/slides/slide31.xml><?xml version="1.0" encoding="utf-8"?>
+<p:sld xmlns:a="http://schemas.openxmlformats.org/drawingml/2006/main" xmlns:p="http://schemas.openxmlformats.org/presentationml/2006/main" xmlns:r="http://schemas.openxmlformats.org/officeDocument/2006/relationships">
+  <p:cSld>
+    <p:spTree>
+      <p:nvGrpSpPr>
+        <p:cNvPr id="1" name=""/>
+        <p:cNvGrpSpPr/>
+        <p:nvPr/>
+      </p:nvGrpSpPr>
+      <p:grpSpPr/>
+      <p:sp>
+        <p:nvSpPr>
+          <p:cNvPr id="2" name="TextBox 1"/>
+          <p:cNvSpPr txBox="1"/>
+          <p:nvPr/>
+        </p:nvSpPr>
+        <p:spPr>
+          <a:xfrm>
+            <a:off x="457200" y="365760"/>
+            <a:ext cx="8229600" cy="548640"/>
+          </a:xfrm>
+          <a:prstGeom prst="rect">
+            <a:avLst/>
+          </a:prstGeom>
+          <a:noFill/>
+        </p:spPr>
+        <p:txBody>
+          <a:bodyPr wrap="none">
+            <a:spAutoFit/>
+          </a:bodyPr>
+          <a:lstStyle/>
+          <a:p>
+            <a:pPr>
+              <a:defRPr sz="4000" b="1">
+                <a:solidFill>
+                  <a:srgbClr val="1F4E79"/>
+                </a:solidFill>
+              </a:defRPr>
+            </a:pPr>
+            <a:r>
+              <a:t>Leverage Plot 25</a:t>
+            </a:r>
+          </a:p>
+        </p:txBody>
+      </p:sp>
+      <p:cxnSp>
+        <p:nvCxnSpPr>
+          <p:cNvPr id="3" name="Connector 2"/>
+          <p:cNvCxnSpPr/>
+          <p:nvPr/>
+        </p:nvCxnSpPr>
+        <p:spPr>
+          <a:xfrm>
+            <a:off x="457200" y="1005840"/>
+            <a:ext cx="8229600" cy="0"/>
+          </a:xfrm>
+          <a:prstGeom prst="line">
+            <a:avLst/>
+          </a:prstGeom>
+          <a:ln w="25400">
+            <a:solidFill>
+              <a:srgbClr val="1F4E79"/>
+            </a:solidFill>
+          </a:ln>
+        </p:spPr>
+        <p:style>
+          <a:lnRef idx="2">
+            <a:schemeClr val="accent1"/>
+          </a:lnRef>
+          <a:fillRef idx="0">
+            <a:schemeClr val="accent1"/>
+          </a:fillRef>
+          <a:effectRef idx="1">
+            <a:schemeClr val="accent1"/>
+          </a:effectRef>
+          <a:fontRef idx="minor">
+            <a:schemeClr val="tx1"/>
+          </a:fontRef>
+        </p:style>
+      </p:cxnSp>
+      <p:pic>
+        <p:nvPicPr>
+          <p:cNvPr id="4" name="Picture 3" descr="image.png"/>
+          <p:cNvPicPr>
+            <a:picLocks noChangeAspect="1"/>
+          </p:cNvPicPr>
+          <p:nvPr/>
+        </p:nvPicPr>
+        <p:blipFill>
+          <a:blip r:embed="rId2"/>
+          <a:stretch>
+            <a:fillRect/>
+          </a:stretch>
+        </p:blipFill>
+        <p:spPr>
+          <a:xfrm>
+            <a:off x="914400" y="1280160"/>
+            <a:ext cx="7315200" cy="4180114"/>
+          </a:xfrm>
+          <a:prstGeom prst="rect">
+            <a:avLst/>
+          </a:prstGeom>
+        </p:spPr>
+      </p:pic>
+    </p:spTree>
+  </p:cSld>
+  <p:clrMapOvr>
+    <a:masterClrMapping/>
+  </p:clrMapOvr>
+</p:sld>
+</file>
+
+<file path=ppt/slides/slide32.xml><?xml version="1.0" encoding="utf-8"?>
+<p:sld xmlns:a="http://schemas.openxmlformats.org/drawingml/2006/main" xmlns:p="http://schemas.openxmlformats.org/presentationml/2006/main" xmlns:r="http://schemas.openxmlformats.org/officeDocument/2006/relationships">
+  <p:cSld>
+    <p:spTree>
+      <p:nvGrpSpPr>
+        <p:cNvPr id="1" name=""/>
+        <p:cNvGrpSpPr/>
+        <p:nvPr/>
+      </p:nvGrpSpPr>
+      <p:grpSpPr/>
+      <p:sp>
+        <p:nvSpPr>
+          <p:cNvPr id="2" name="TextBox 1"/>
+          <p:cNvSpPr txBox="1"/>
+          <p:nvPr/>
+        </p:nvSpPr>
+        <p:spPr>
+          <a:xfrm>
+            <a:off x="457200" y="365760"/>
+            <a:ext cx="8229600" cy="548640"/>
+          </a:xfrm>
+          <a:prstGeom prst="rect">
+            <a:avLst/>
+          </a:prstGeom>
+          <a:noFill/>
+        </p:spPr>
+        <p:txBody>
+          <a:bodyPr wrap="none">
+            <a:spAutoFit/>
+          </a:bodyPr>
+          <a:lstStyle/>
+          <a:p>
+            <a:pPr>
+              <a:defRPr sz="4000" b="1">
+                <a:solidFill>
+                  <a:srgbClr val="1F4E79"/>
+                </a:solidFill>
+              </a:defRPr>
+            </a:pPr>
+            <a:r>
+              <a:t>Leverage Plot 26</a:t>
+            </a:r>
+          </a:p>
+        </p:txBody>
+      </p:sp>
+      <p:cxnSp>
+        <p:nvCxnSpPr>
+          <p:cNvPr id="3" name="Connector 2"/>
+          <p:cNvCxnSpPr/>
+          <p:nvPr/>
+        </p:nvCxnSpPr>
+        <p:spPr>
+          <a:xfrm>
+            <a:off x="457200" y="1005840"/>
+            <a:ext cx="8229600" cy="0"/>
+          </a:xfrm>
+          <a:prstGeom prst="line">
+            <a:avLst/>
+          </a:prstGeom>
+          <a:ln w="25400">
+            <a:solidFill>
+              <a:srgbClr val="1F4E79"/>
+            </a:solidFill>
+          </a:ln>
+        </p:spPr>
+        <p:style>
+          <a:lnRef idx="2">
+            <a:schemeClr val="accent1"/>
+          </a:lnRef>
+          <a:fillRef idx="0">
+            <a:schemeClr val="accent1"/>
+          </a:fillRef>
+          <a:effectRef idx="1">
+            <a:schemeClr val="accent1"/>
+          </a:effectRef>
+          <a:fontRef idx="minor">
+            <a:schemeClr val="tx1"/>
+          </a:fontRef>
+        </p:style>
+      </p:cxnSp>
+      <p:pic>
+        <p:nvPicPr>
+          <p:cNvPr id="4" name="Picture 3" descr="image.png"/>
+          <p:cNvPicPr>
+            <a:picLocks noChangeAspect="1"/>
+          </p:cNvPicPr>
+          <p:nvPr/>
+        </p:nvPicPr>
+        <p:blipFill>
+          <a:blip r:embed="rId2"/>
+          <a:stretch>
+            <a:fillRect/>
+          </a:stretch>
+        </p:blipFill>
+        <p:spPr>
+          <a:xfrm>
+            <a:off x="914400" y="1280160"/>
+            <a:ext cx="7315200" cy="4180114"/>
+          </a:xfrm>
+          <a:prstGeom prst="rect">
+            <a:avLst/>
+          </a:prstGeom>
+        </p:spPr>
+      </p:pic>
+    </p:spTree>
+  </p:cSld>
+  <p:clrMapOvr>
+    <a:masterClrMapping/>
+  </p:clrMapOvr>
+</p:sld>
+</file>
+
+<file path=ppt/slides/slide33.xml><?xml version="1.0" encoding="utf-8"?>
+<p:sld xmlns:a="http://schemas.openxmlformats.org/drawingml/2006/main" xmlns:p="http://schemas.openxmlformats.org/presentationml/2006/main" xmlns:r="http://schemas.openxmlformats.org/officeDocument/2006/relationships">
+  <p:cSld>
+    <p:spTree>
+      <p:nvGrpSpPr>
+        <p:cNvPr id="1" name=""/>
+        <p:cNvGrpSpPr/>
+        <p:nvPr/>
+      </p:nvGrpSpPr>
+      <p:grpSpPr/>
+      <p:sp>
+        <p:nvSpPr>
+          <p:cNvPr id="2" name="TextBox 1"/>
+          <p:cNvSpPr txBox="1"/>
+          <p:nvPr/>
+        </p:nvSpPr>
+        <p:spPr>
+          <a:xfrm>
+            <a:off x="457200" y="365760"/>
+            <a:ext cx="8229600" cy="548640"/>
+          </a:xfrm>
+          <a:prstGeom prst="rect">
+            <a:avLst/>
+          </a:prstGeom>
+          <a:noFill/>
+        </p:spPr>
+        <p:txBody>
+          <a:bodyPr wrap="none">
+            <a:spAutoFit/>
+          </a:bodyPr>
+          <a:lstStyle/>
+          <a:p>
+            <a:pPr>
+              <a:defRPr sz="4000" b="1">
+                <a:solidFill>
+                  <a:srgbClr val="1F4E79"/>
+                </a:solidFill>
+              </a:defRPr>
+            </a:pPr>
+            <a:r>
+              <a:t>Leverage Plot 27</a:t>
+            </a:r>
+          </a:p>
+        </p:txBody>
+      </p:sp>
+      <p:cxnSp>
+        <p:nvCxnSpPr>
+          <p:cNvPr id="3" name="Connector 2"/>
+          <p:cNvCxnSpPr/>
+          <p:nvPr/>
+        </p:nvCxnSpPr>
+        <p:spPr>
+          <a:xfrm>
+            <a:off x="457200" y="1005840"/>
+            <a:ext cx="8229600" cy="0"/>
+          </a:xfrm>
+          <a:prstGeom prst="line">
+            <a:avLst/>
+          </a:prstGeom>
+          <a:ln w="25400">
+            <a:solidFill>
+              <a:srgbClr val="1F4E79"/>
+            </a:solidFill>
+          </a:ln>
+        </p:spPr>
+        <p:style>
+          <a:lnRef idx="2">
+            <a:schemeClr val="accent1"/>
+          </a:lnRef>
+          <a:fillRef idx="0">
+            <a:schemeClr val="accent1"/>
+          </a:fillRef>
+          <a:effectRef idx="1">
+            <a:schemeClr val="accent1"/>
+          </a:effectRef>
+          <a:fontRef idx="minor">
+            <a:schemeClr val="tx1"/>
+          </a:fontRef>
+        </p:style>
+      </p:cxnSp>
+      <p:pic>
+        <p:nvPicPr>
+          <p:cNvPr id="4" name="Picture 3" descr="image.png"/>
+          <p:cNvPicPr>
+            <a:picLocks noChangeAspect="1"/>
+          </p:cNvPicPr>
+          <p:nvPr/>
+        </p:nvPicPr>
+        <p:blipFill>
+          <a:blip r:embed="rId2"/>
+          <a:stretch>
+            <a:fillRect/>
+          </a:stretch>
+        </p:blipFill>
+        <p:spPr>
+          <a:xfrm>
+            <a:off x="914400" y="1280160"/>
+            <a:ext cx="7315200" cy="4180114"/>
+          </a:xfrm>
+          <a:prstGeom prst="rect">
+            <a:avLst/>
+          </a:prstGeom>
+        </p:spPr>
+      </p:pic>
+    </p:spTree>
+  </p:cSld>
+  <p:clrMapOvr>
+    <a:masterClrMapping/>
+  </p:clrMapOvr>
+</p:sld>
+</file>
+
+<file path=ppt/slides/slide34.xml><?xml version="1.0" encoding="utf-8"?>
+<p:sld xmlns:a="http://schemas.openxmlformats.org/drawingml/2006/main" xmlns:p="http://schemas.openxmlformats.org/presentationml/2006/main" xmlns:r="http://schemas.openxmlformats.org/officeDocument/2006/relationships">
+  <p:cSld>
+    <p:spTree>
+      <p:nvGrpSpPr>
+        <p:cNvPr id="1" name=""/>
+        <p:cNvGrpSpPr/>
+        <p:nvPr/>
+      </p:nvGrpSpPr>
+      <p:grpSpPr/>
+      <p:sp>
+        <p:nvSpPr>
+          <p:cNvPr id="2" name="TextBox 1"/>
+          <p:cNvSpPr txBox="1"/>
+          <p:nvPr/>
+        </p:nvSpPr>
+        <p:spPr>
+          <a:xfrm>
+            <a:off x="457200" y="365760"/>
+            <a:ext cx="8229600" cy="548640"/>
+          </a:xfrm>
+          <a:prstGeom prst="rect">
+            <a:avLst/>
+          </a:prstGeom>
+          <a:noFill/>
+        </p:spPr>
+        <p:txBody>
+          <a:bodyPr wrap="none">
+            <a:spAutoFit/>
+          </a:bodyPr>
+          <a:lstStyle/>
+          <a:p>
+            <a:pPr>
+              <a:defRPr sz="4000" b="1">
+                <a:solidFill>
+                  <a:srgbClr val="1F4E79"/>
+                </a:solidFill>
+              </a:defRPr>
+            </a:pPr>
+            <a:r>
+              <a:t>Leverage Plot 28</a:t>
+            </a:r>
+          </a:p>
+        </p:txBody>
+      </p:sp>
+      <p:cxnSp>
+        <p:nvCxnSpPr>
+          <p:cNvPr id="3" name="Connector 2"/>
+          <p:cNvCxnSpPr/>
+          <p:nvPr/>
+        </p:nvCxnSpPr>
+        <p:spPr>
+          <a:xfrm>
+            <a:off x="457200" y="1005840"/>
+            <a:ext cx="8229600" cy="0"/>
+          </a:xfrm>
+          <a:prstGeom prst="line">
+            <a:avLst/>
+          </a:prstGeom>
+          <a:ln w="25400">
+            <a:solidFill>
+              <a:srgbClr val="1F4E79"/>
+            </a:solidFill>
+          </a:ln>
+        </p:spPr>
+        <p:style>
+          <a:lnRef idx="2">
+            <a:schemeClr val="accent1"/>
+          </a:lnRef>
+          <a:fillRef idx="0">
+            <a:schemeClr val="accent1"/>
+          </a:fillRef>
+          <a:effectRef idx="1">
+            <a:schemeClr val="accent1"/>
+          </a:effectRef>
+          <a:fontRef idx="minor">
+            <a:schemeClr val="tx1"/>
+          </a:fontRef>
+        </p:style>
+      </p:cxnSp>
+      <p:pic>
+        <p:nvPicPr>
+          <p:cNvPr id="4" name="Picture 3" descr="image.png"/>
+          <p:cNvPicPr>
+            <a:picLocks noChangeAspect="1"/>
+          </p:cNvPicPr>
+          <p:nvPr/>
+        </p:nvPicPr>
+        <p:blipFill>
+          <a:blip r:embed="rId2"/>
+          <a:stretch>
+            <a:fillRect/>
+          </a:stretch>
+        </p:blipFill>
+        <p:spPr>
+          <a:xfrm>
+            <a:off x="914400" y="1280160"/>
+            <a:ext cx="7315200" cy="4180114"/>
+          </a:xfrm>
+          <a:prstGeom prst="rect">
+            <a:avLst/>
+          </a:prstGeom>
+        </p:spPr>
+      </p:pic>
+    </p:spTree>
+  </p:cSld>
+  <p:clrMapOvr>
+    <a:masterClrMapping/>
+  </p:clrMapOvr>
+</p:sld>
+</file>
+
+<file path=ppt/slides/slide35.xml><?xml version="1.0" encoding="utf-8"?>
+<p:sld xmlns:a="http://schemas.openxmlformats.org/drawingml/2006/main" xmlns:p="http://schemas.openxmlformats.org/presentationml/2006/main" xmlns:r="http://schemas.openxmlformats.org/officeDocument/2006/relationships">
+  <p:cSld>
+    <p:spTree>
+      <p:nvGrpSpPr>
+        <p:cNvPr id="1" name=""/>
+        <p:cNvGrpSpPr/>
+        <p:nvPr/>
+      </p:nvGrpSpPr>
+      <p:grpSpPr/>
+      <p:sp>
+        <p:nvSpPr>
+          <p:cNvPr id="2" name="TextBox 1"/>
+          <p:cNvSpPr txBox="1"/>
+          <p:nvPr/>
+        </p:nvSpPr>
+        <p:spPr>
+          <a:xfrm>
+            <a:off x="457200" y="365760"/>
+            <a:ext cx="8229600" cy="548640"/>
+          </a:xfrm>
+          <a:prstGeom prst="rect">
+            <a:avLst/>
+          </a:prstGeom>
+          <a:noFill/>
+        </p:spPr>
+        <p:txBody>
+          <a:bodyPr wrap="none">
+            <a:spAutoFit/>
+          </a:bodyPr>
+          <a:lstStyle/>
+          <a:p>
+            <a:pPr>
+              <a:defRPr sz="4000" b="1">
+                <a:solidFill>
+                  <a:srgbClr val="1F4E79"/>
+                </a:solidFill>
+              </a:defRPr>
+            </a:pPr>
+            <a:r>
+              <a:t>Leverage Plot 29</a:t>
+            </a:r>
+          </a:p>
+        </p:txBody>
+      </p:sp>
+      <p:cxnSp>
+        <p:nvCxnSpPr>
+          <p:cNvPr id="3" name="Connector 2"/>
+          <p:cNvCxnSpPr/>
+          <p:nvPr/>
+        </p:nvCxnSpPr>
+        <p:spPr>
+          <a:xfrm>
+            <a:off x="457200" y="1005840"/>
+            <a:ext cx="8229600" cy="0"/>
+          </a:xfrm>
+          <a:prstGeom prst="line">
+            <a:avLst/>
+          </a:prstGeom>
+          <a:ln w="25400">
+            <a:solidFill>
+              <a:srgbClr val="1F4E79"/>
+            </a:solidFill>
+          </a:ln>
+        </p:spPr>
+        <p:style>
+          <a:lnRef idx="2">
+            <a:schemeClr val="accent1"/>
+          </a:lnRef>
+          <a:fillRef idx="0">
+            <a:schemeClr val="accent1"/>
+          </a:fillRef>
+          <a:effectRef idx="1">
+            <a:schemeClr val="accent1"/>
+          </a:effectRef>
+          <a:fontRef idx="minor">
+            <a:schemeClr val="tx1"/>
+          </a:fontRef>
+        </p:style>
+      </p:cxnSp>
+      <p:pic>
+        <p:nvPicPr>
+          <p:cNvPr id="4" name="Picture 3" descr="image.png"/>
+          <p:cNvPicPr>
+            <a:picLocks noChangeAspect="1"/>
+          </p:cNvPicPr>
+          <p:nvPr/>
+        </p:nvPicPr>
+        <p:blipFill>
+          <a:blip r:embed="rId2"/>
+          <a:stretch>
+            <a:fillRect/>
+          </a:stretch>
+        </p:blipFill>
+        <p:spPr>
+          <a:xfrm>
+            <a:off x="914400" y="1280160"/>
+            <a:ext cx="7315200" cy="4180114"/>
+          </a:xfrm>
+          <a:prstGeom prst="rect">
+            <a:avLst/>
+          </a:prstGeom>
+        </p:spPr>
+      </p:pic>
+    </p:spTree>
+  </p:cSld>
+  <p:clrMapOvr>
+    <a:masterClrMapping/>
+  </p:clrMapOvr>
+</p:sld>
+</file>
+
+<file path=ppt/slides/slide36.xml><?xml version="1.0" encoding="utf-8"?>
+<p:sld xmlns:a="http://schemas.openxmlformats.org/drawingml/2006/main" xmlns:p="http://schemas.openxmlformats.org/presentationml/2006/main" xmlns:r="http://schemas.openxmlformats.org/officeDocument/2006/relationships">
+  <p:cSld>
+    <p:spTree>
+      <p:nvGrpSpPr>
+        <p:cNvPr id="1" name=""/>
+        <p:cNvGrpSpPr/>
+        <p:nvPr/>
+      </p:nvGrpSpPr>
+      <p:grpSpPr/>
+      <p:sp>
+        <p:nvSpPr>
+          <p:cNvPr id="2" name="TextBox 1"/>
+          <p:cNvSpPr txBox="1"/>
+          <p:nvPr/>
+        </p:nvSpPr>
+        <p:spPr>
+          <a:xfrm>
+            <a:off x="457200" y="365760"/>
+            <a:ext cx="8229600" cy="548640"/>
+          </a:xfrm>
+          <a:prstGeom prst="rect">
+            <a:avLst/>
+          </a:prstGeom>
+          <a:noFill/>
+        </p:spPr>
+        <p:txBody>
+          <a:bodyPr wrap="none">
+            <a:spAutoFit/>
+          </a:bodyPr>
+          <a:lstStyle/>
+          <a:p>
+            <a:pPr>
+              <a:defRPr sz="4000" b="1">
+                <a:solidFill>
+                  <a:srgbClr val="1F4E79"/>
+                </a:solidFill>
+              </a:defRPr>
+            </a:pPr>
+            <a:r>
+              <a:t>Leverage Plot 30</a:t>
+            </a:r>
+          </a:p>
+        </p:txBody>
+      </p:sp>
+      <p:cxnSp>
+        <p:nvCxnSpPr>
+          <p:cNvPr id="3" name="Connector 2"/>
+          <p:cNvCxnSpPr/>
+          <p:nvPr/>
+        </p:nvCxnSpPr>
+        <p:spPr>
+          <a:xfrm>
+            <a:off x="457200" y="1005840"/>
+            <a:ext cx="8229600" cy="0"/>
+          </a:xfrm>
+          <a:prstGeom prst="line">
+            <a:avLst/>
+          </a:prstGeom>
+          <a:ln w="25400">
+            <a:solidFill>
+              <a:srgbClr val="1F4E79"/>
+            </a:solidFill>
+          </a:ln>
+        </p:spPr>
+        <p:style>
+          <a:lnRef idx="2">
+            <a:schemeClr val="accent1"/>
+          </a:lnRef>
+          <a:fillRef idx="0">
+            <a:schemeClr val="accent1"/>
+          </a:fillRef>
+          <a:effectRef idx="1">
+            <a:schemeClr val="accent1"/>
+          </a:effectRef>
+          <a:fontRef idx="minor">
+            <a:schemeClr val="tx1"/>
+          </a:fontRef>
+        </p:style>
+      </p:cxnSp>
+      <p:pic>
+        <p:nvPicPr>
+          <p:cNvPr id="4" name="Picture 3" descr="image.png"/>
+          <p:cNvPicPr>
+            <a:picLocks noChangeAspect="1"/>
+          </p:cNvPicPr>
+          <p:nvPr/>
+        </p:nvPicPr>
+        <p:blipFill>
+          <a:blip r:embed="rId2"/>
+          <a:stretch>
+            <a:fillRect/>
+          </a:stretch>
+        </p:blipFill>
+        <p:spPr>
+          <a:xfrm>
+            <a:off x="914400" y="1280160"/>
+            <a:ext cx="7315200" cy="4180114"/>
+          </a:xfrm>
+          <a:prstGeom prst="rect">
+            <a:avLst/>
+          </a:prstGeom>
+        </p:spPr>
+      </p:pic>
+    </p:spTree>
+  </p:cSld>
+  <p:clrMapOvr>
+    <a:masterClrMapping/>
+  </p:clrMapOvr>
+</p:sld>
+</file>
+
+<file path=ppt/slides/slide37.xml><?xml version="1.0" encoding="utf-8"?>
+<p:sld xmlns:a="http://schemas.openxmlformats.org/drawingml/2006/main" xmlns:p="http://schemas.openxmlformats.org/presentationml/2006/main" xmlns:r="http://schemas.openxmlformats.org/officeDocument/2006/relationships">
+  <p:cSld>
+    <p:spTree>
+      <p:nvGrpSpPr>
+        <p:cNvPr id="1" name=""/>
+        <p:cNvGrpSpPr/>
+        <p:nvPr/>
+      </p:nvGrpSpPr>
+      <p:grpSpPr/>
+      <p:sp>
+        <p:nvSpPr>
+          <p:cNvPr id="2" name="TextBox 1"/>
+          <p:cNvSpPr txBox="1"/>
+          <p:nvPr/>
+        </p:nvSpPr>
+        <p:spPr>
+          <a:xfrm>
+            <a:off x="457200" y="365760"/>
+            <a:ext cx="8229600" cy="548640"/>
+          </a:xfrm>
+          <a:prstGeom prst="rect">
+            <a:avLst/>
+          </a:prstGeom>
+          <a:noFill/>
+        </p:spPr>
+        <p:txBody>
+          <a:bodyPr wrap="none">
+            <a:spAutoFit/>
+          </a:bodyPr>
+          <a:lstStyle/>
+          <a:p>
+            <a:pPr>
+              <a:defRPr sz="4000" b="1">
+                <a:solidFill>
+                  <a:srgbClr val="1F4E79"/>
+                </a:solidFill>
+              </a:defRPr>
+            </a:pPr>
+            <a:r>
+              <a:t>Leverage Plot 31</a:t>
+            </a:r>
+          </a:p>
+        </p:txBody>
+      </p:sp>
+      <p:cxnSp>
+        <p:nvCxnSpPr>
+          <p:cNvPr id="3" name="Connector 2"/>
+          <p:cNvCxnSpPr/>
+          <p:nvPr/>
+        </p:nvCxnSpPr>
+        <p:spPr>
+          <a:xfrm>
+            <a:off x="457200" y="1005840"/>
+            <a:ext cx="8229600" cy="0"/>
+          </a:xfrm>
+          <a:prstGeom prst="line">
+            <a:avLst/>
+          </a:prstGeom>
+          <a:ln w="25400">
+            <a:solidFill>
+              <a:srgbClr val="1F4E79"/>
+            </a:solidFill>
+          </a:ln>
+        </p:spPr>
+        <p:style>
+          <a:lnRef idx="2">
+            <a:schemeClr val="accent1"/>
+          </a:lnRef>
+          <a:fillRef idx="0">
+            <a:schemeClr val="accent1"/>
+          </a:fillRef>
+          <a:effectRef idx="1">
+            <a:schemeClr val="accent1"/>
+          </a:effectRef>
+          <a:fontRef idx="minor">
+            <a:schemeClr val="tx1"/>
+          </a:fontRef>
+        </p:style>
+      </p:cxnSp>
+      <p:pic>
+        <p:nvPicPr>
+          <p:cNvPr id="4" name="Picture 3" descr="image.png"/>
+          <p:cNvPicPr>
+            <a:picLocks noChangeAspect="1"/>
+          </p:cNvPicPr>
+          <p:nvPr/>
+        </p:nvPicPr>
+        <p:blipFill>
+          <a:blip r:embed="rId2"/>
+          <a:stretch>
+            <a:fillRect/>
+          </a:stretch>
+        </p:blipFill>
+        <p:spPr>
+          <a:xfrm>
+            <a:off x="914400" y="1280160"/>
+            <a:ext cx="7315200" cy="4180114"/>
+          </a:xfrm>
+          <a:prstGeom prst="rect">
+            <a:avLst/>
+          </a:prstGeom>
+        </p:spPr>
+      </p:pic>
+    </p:spTree>
+  </p:cSld>
+  <p:clrMapOvr>
+    <a:masterClrMapping/>
+  </p:clrMapOvr>
+</p:sld>
+</file>
+
+<file path=ppt/slides/slide38.xml><?xml version="1.0" encoding="utf-8"?>
+<p:sld xmlns:a="http://schemas.openxmlformats.org/drawingml/2006/main" xmlns:p="http://schemas.openxmlformats.org/presentationml/2006/main" xmlns:r="http://schemas.openxmlformats.org/officeDocument/2006/relationships">
+  <p:cSld>
+    <p:spTree>
+      <p:nvGrpSpPr>
+        <p:cNvPr id="1" name=""/>
+        <p:cNvGrpSpPr/>
+        <p:nvPr/>
+      </p:nvGrpSpPr>
+      <p:grpSpPr/>
+      <p:sp>
+        <p:nvSpPr>
+          <p:cNvPr id="2" name="TextBox 1"/>
+          <p:cNvSpPr txBox="1"/>
+          <p:nvPr/>
+        </p:nvSpPr>
+        <p:spPr>
+          <a:xfrm>
+            <a:off x="457200" y="365760"/>
+            <a:ext cx="8229600" cy="548640"/>
+          </a:xfrm>
+          <a:prstGeom prst="rect">
+            <a:avLst/>
+          </a:prstGeom>
+          <a:noFill/>
+        </p:spPr>
+        <p:txBody>
+          <a:bodyPr wrap="none">
+            <a:spAutoFit/>
+          </a:bodyPr>
+          <a:lstStyle/>
+          <a:p>
+            <a:pPr>
+              <a:defRPr sz="4000" b="1">
+                <a:solidFill>
+                  <a:srgbClr val="1F4E79"/>
+                </a:solidFill>
+              </a:defRPr>
+            </a:pPr>
+            <a:r>
+              <a:t>Leverage Plot 32</a:t>
+            </a:r>
+          </a:p>
+        </p:txBody>
+      </p:sp>
+      <p:cxnSp>
+        <p:nvCxnSpPr>
+          <p:cNvPr id="3" name="Connector 2"/>
+          <p:cNvCxnSpPr/>
+          <p:nvPr/>
+        </p:nvCxnSpPr>
+        <p:spPr>
+          <a:xfrm>
+            <a:off x="457200" y="1005840"/>
+            <a:ext cx="8229600" cy="0"/>
+          </a:xfrm>
+          <a:prstGeom prst="line">
+            <a:avLst/>
+          </a:prstGeom>
+          <a:ln w="25400">
+            <a:solidFill>
+              <a:srgbClr val="1F4E79"/>
+            </a:solidFill>
+          </a:ln>
+        </p:spPr>
+        <p:style>
+          <a:lnRef idx="2">
+            <a:schemeClr val="accent1"/>
+          </a:lnRef>
+          <a:fillRef idx="0">
+            <a:schemeClr val="accent1"/>
+          </a:fillRef>
+          <a:effectRef idx="1">
+            <a:schemeClr val="accent1"/>
+          </a:effectRef>
+          <a:fontRef idx="minor">
+            <a:schemeClr val="tx1"/>
+          </a:fontRef>
+        </p:style>
+      </p:cxnSp>
+      <p:pic>
+        <p:nvPicPr>
+          <p:cNvPr id="4" name="Picture 3" descr="image.png"/>
+          <p:cNvPicPr>
+            <a:picLocks noChangeAspect="1"/>
+          </p:cNvPicPr>
+          <p:nvPr/>
+        </p:nvPicPr>
+        <p:blipFill>
+          <a:blip r:embed="rId2"/>
+          <a:stretch>
+            <a:fillRect/>
+          </a:stretch>
+        </p:blipFill>
+        <p:spPr>
+          <a:xfrm>
+            <a:off x="914400" y="1280160"/>
+            <a:ext cx="7315200" cy="4180114"/>
+          </a:xfrm>
+          <a:prstGeom prst="rect">
+            <a:avLst/>
+          </a:prstGeom>
+        </p:spPr>
+      </p:pic>
+    </p:spTree>
+  </p:cSld>
+  <p:clrMapOvr>
+    <a:masterClrMapping/>
+  </p:clrMapOvr>
+</p:sld>
+</file>
+
+<file path=ppt/slides/slide39.xml><?xml version="1.0" encoding="utf-8"?>
+<p:sld xmlns:a="http://schemas.openxmlformats.org/drawingml/2006/main" xmlns:p="http://schemas.openxmlformats.org/presentationml/2006/main" xmlns:r="http://schemas.openxmlformats.org/officeDocument/2006/relationships">
+  <p:cSld>
+    <p:spTree>
+      <p:nvGrpSpPr>
+        <p:cNvPr id="1" name=""/>
+        <p:cNvGrpSpPr/>
+        <p:nvPr/>
+      </p:nvGrpSpPr>
+      <p:grpSpPr/>
+      <p:sp>
+        <p:nvSpPr>
+          <p:cNvPr id="2" name="TextBox 1"/>
+          <p:cNvSpPr txBox="1"/>
+          <p:nvPr/>
+        </p:nvSpPr>
+        <p:spPr>
+          <a:xfrm>
+            <a:off x="457200" y="365760"/>
+            <a:ext cx="8229600" cy="548640"/>
+          </a:xfrm>
+          <a:prstGeom prst="rect">
+            <a:avLst/>
+          </a:prstGeom>
+          <a:noFill/>
+        </p:spPr>
+        <p:txBody>
+          <a:bodyPr wrap="none">
+            <a:spAutoFit/>
+          </a:bodyPr>
+          <a:lstStyle/>
+          <a:p>
+            <a:pPr>
+              <a:defRPr sz="4000" b="1">
+                <a:solidFill>
+                  <a:srgbClr val="1F4E79"/>
+                </a:solidFill>
+              </a:defRPr>
+            </a:pPr>
+            <a:r>
+              <a:t>Leverage Plot 33</a:t>
+            </a:r>
+          </a:p>
+        </p:txBody>
+      </p:sp>
+      <p:cxnSp>
+        <p:nvCxnSpPr>
+          <p:cNvPr id="3" name="Connector 2"/>
+          <p:cNvCxnSpPr/>
+          <p:nvPr/>
+        </p:nvCxnSpPr>
+        <p:spPr>
+          <a:xfrm>
+            <a:off x="457200" y="1005840"/>
+            <a:ext cx="8229600" cy="0"/>
+          </a:xfrm>
+          <a:prstGeom prst="line">
+            <a:avLst/>
+          </a:prstGeom>
+          <a:ln w="25400">
+            <a:solidFill>
+              <a:srgbClr val="1F4E79"/>
+            </a:solidFill>
+          </a:ln>
+        </p:spPr>
+        <p:style>
+          <a:lnRef idx="2">
+            <a:schemeClr val="accent1"/>
+          </a:lnRef>
+          <a:fillRef idx="0">
+            <a:schemeClr val="accent1"/>
+          </a:fillRef>
+          <a:effectRef idx="1">
+            <a:schemeClr val="accent1"/>
+          </a:effectRef>
+          <a:fontRef idx="minor">
+            <a:schemeClr val="tx1"/>
+          </a:fontRef>
+        </p:style>
+      </p:cxnSp>
+      <p:pic>
+        <p:nvPicPr>
+          <p:cNvPr id="4" name="Picture 3" descr="image.png"/>
+          <p:cNvPicPr>
+            <a:picLocks noChangeAspect="1"/>
+          </p:cNvPicPr>
+          <p:nvPr/>
+        </p:nvPicPr>
+        <p:blipFill>
+          <a:blip r:embed="rId2"/>
+          <a:stretch>
+            <a:fillRect/>
+          </a:stretch>
+        </p:blipFill>
+        <p:spPr>
+          <a:xfrm>
+            <a:off x="914400" y="1280160"/>
+            <a:ext cx="7315200" cy="4180114"/>
+          </a:xfrm>
+          <a:prstGeom prst="rect">
+            <a:avLst/>
+          </a:prstGeom>
+        </p:spPr>
+      </p:pic>
+    </p:spTree>
+  </p:cSld>
+  <p:clrMapOvr>
+    <a:masterClrMapping/>
+  </p:clrMapOvr>
+</p:sld>
+</file>
+
+<file path=ppt/slides/slide4.xml><?xml version="1.0" encoding="utf-8"?>
+<p:sld xmlns:a="http://schemas.openxmlformats.org/drawingml/2006/main" xmlns:p="http://schemas.openxmlformats.org/presentationml/2006/main" xmlns:r="http://schemas.openxmlformats.org/officeDocument/2006/relationships">
+  <p:cSld>
+    <p:spTree>
+      <p:nvGrpSpPr>
+        <p:cNvPr id="1" name=""/>
+        <p:cNvGrpSpPr/>
+        <p:nvPr/>
+      </p:nvGrpSpPr>
+      <p:grpSpPr/>
+      <p:sp>
+        <p:nvSpPr>
+          <p:cNvPr id="2" name="TextBox 1"/>
+          <p:cNvSpPr txBox="1"/>
+          <p:nvPr/>
+        </p:nvSpPr>
+        <p:spPr>
+          <a:xfrm>
+            <a:off x="457200" y="365760"/>
+            <a:ext cx="8229600" cy="548640"/>
+          </a:xfrm>
+          <a:prstGeom prst="rect">
+            <a:avLst/>
+          </a:prstGeom>
+          <a:noFill/>
+        </p:spPr>
+        <p:txBody>
+          <a:bodyPr wrap="none">
+            <a:spAutoFit/>
+          </a:bodyPr>
+          <a:lstStyle/>
+          <a:p>
+            <a:pPr>
+              <a:defRPr sz="4000" b="1">
+                <a:solidFill>
+                  <a:srgbClr val="1F4E79"/>
+                </a:solidFill>
+              </a:defRPr>
+            </a:pPr>
+            <a:r>
+              <a:t>Model Comparison: Full vs Reduced</a:t>
             </a:r>
           </a:p>
         </p:txBody>
@@ -5352,7 +7562,7 @@
 </p:sld>
 </file>
 
-<file path=ppt/slides/slide23.xml><?xml version="1.0" encoding="utf-8"?>
+<file path=ppt/slides/slide40.xml><?xml version="1.0" encoding="utf-8"?>
 <p:sld xmlns:a="http://schemas.openxmlformats.org/drawingml/2006/main" xmlns:p="http://schemas.openxmlformats.org/presentationml/2006/main" xmlns:r="http://schemas.openxmlformats.org/officeDocument/2006/relationships">
   <p:cSld>
     <p:spTree>
@@ -5392,7 +7602,1127 @@
               </a:defRPr>
             </a:pPr>
             <a:r>
-              <a:t>Results Table 2</a:t>
+              <a:t>Leverage Plot 34</a:t>
+            </a:r>
+          </a:p>
+        </p:txBody>
+      </p:sp>
+      <p:cxnSp>
+        <p:nvCxnSpPr>
+          <p:cNvPr id="3" name="Connector 2"/>
+          <p:cNvCxnSpPr/>
+          <p:nvPr/>
+        </p:nvCxnSpPr>
+        <p:spPr>
+          <a:xfrm>
+            <a:off x="457200" y="1005840"/>
+            <a:ext cx="8229600" cy="0"/>
+          </a:xfrm>
+          <a:prstGeom prst="line">
+            <a:avLst/>
+          </a:prstGeom>
+          <a:ln w="25400">
+            <a:solidFill>
+              <a:srgbClr val="1F4E79"/>
+            </a:solidFill>
+          </a:ln>
+        </p:spPr>
+        <p:style>
+          <a:lnRef idx="2">
+            <a:schemeClr val="accent1"/>
+          </a:lnRef>
+          <a:fillRef idx="0">
+            <a:schemeClr val="accent1"/>
+          </a:fillRef>
+          <a:effectRef idx="1">
+            <a:schemeClr val="accent1"/>
+          </a:effectRef>
+          <a:fontRef idx="minor">
+            <a:schemeClr val="tx1"/>
+          </a:fontRef>
+        </p:style>
+      </p:cxnSp>
+      <p:pic>
+        <p:nvPicPr>
+          <p:cNvPr id="4" name="Picture 3" descr="image.png"/>
+          <p:cNvPicPr>
+            <a:picLocks noChangeAspect="1"/>
+          </p:cNvPicPr>
+          <p:nvPr/>
+        </p:nvPicPr>
+        <p:blipFill>
+          <a:blip r:embed="rId2"/>
+          <a:stretch>
+            <a:fillRect/>
+          </a:stretch>
+        </p:blipFill>
+        <p:spPr>
+          <a:xfrm>
+            <a:off x="914400" y="1280160"/>
+            <a:ext cx="7315200" cy="4180114"/>
+          </a:xfrm>
+          <a:prstGeom prst="rect">
+            <a:avLst/>
+          </a:prstGeom>
+        </p:spPr>
+      </p:pic>
+    </p:spTree>
+  </p:cSld>
+  <p:clrMapOvr>
+    <a:masterClrMapping/>
+  </p:clrMapOvr>
+</p:sld>
+</file>
+
+<file path=ppt/slides/slide41.xml><?xml version="1.0" encoding="utf-8"?>
+<p:sld xmlns:a="http://schemas.openxmlformats.org/drawingml/2006/main" xmlns:p="http://schemas.openxmlformats.org/presentationml/2006/main" xmlns:r="http://schemas.openxmlformats.org/officeDocument/2006/relationships">
+  <p:cSld>
+    <p:spTree>
+      <p:nvGrpSpPr>
+        <p:cNvPr id="1" name=""/>
+        <p:cNvGrpSpPr/>
+        <p:nvPr/>
+      </p:nvGrpSpPr>
+      <p:grpSpPr/>
+      <p:sp>
+        <p:nvSpPr>
+          <p:cNvPr id="2" name="TextBox 1"/>
+          <p:cNvSpPr txBox="1"/>
+          <p:nvPr/>
+        </p:nvSpPr>
+        <p:spPr>
+          <a:xfrm>
+            <a:off x="457200" y="365760"/>
+            <a:ext cx="8229600" cy="548640"/>
+          </a:xfrm>
+          <a:prstGeom prst="rect">
+            <a:avLst/>
+          </a:prstGeom>
+          <a:noFill/>
+        </p:spPr>
+        <p:txBody>
+          <a:bodyPr wrap="none">
+            <a:spAutoFit/>
+          </a:bodyPr>
+          <a:lstStyle/>
+          <a:p>
+            <a:pPr>
+              <a:defRPr sz="4000" b="1">
+                <a:solidFill>
+                  <a:srgbClr val="1F4E79"/>
+                </a:solidFill>
+              </a:defRPr>
+            </a:pPr>
+            <a:r>
+              <a:t>Leverage Plot 35</a:t>
+            </a:r>
+          </a:p>
+        </p:txBody>
+      </p:sp>
+      <p:cxnSp>
+        <p:nvCxnSpPr>
+          <p:cNvPr id="3" name="Connector 2"/>
+          <p:cNvCxnSpPr/>
+          <p:nvPr/>
+        </p:nvCxnSpPr>
+        <p:spPr>
+          <a:xfrm>
+            <a:off x="457200" y="1005840"/>
+            <a:ext cx="8229600" cy="0"/>
+          </a:xfrm>
+          <a:prstGeom prst="line">
+            <a:avLst/>
+          </a:prstGeom>
+          <a:ln w="25400">
+            <a:solidFill>
+              <a:srgbClr val="1F4E79"/>
+            </a:solidFill>
+          </a:ln>
+        </p:spPr>
+        <p:style>
+          <a:lnRef idx="2">
+            <a:schemeClr val="accent1"/>
+          </a:lnRef>
+          <a:fillRef idx="0">
+            <a:schemeClr val="accent1"/>
+          </a:fillRef>
+          <a:effectRef idx="1">
+            <a:schemeClr val="accent1"/>
+          </a:effectRef>
+          <a:fontRef idx="minor">
+            <a:schemeClr val="tx1"/>
+          </a:fontRef>
+        </p:style>
+      </p:cxnSp>
+      <p:pic>
+        <p:nvPicPr>
+          <p:cNvPr id="4" name="Picture 3" descr="image.png"/>
+          <p:cNvPicPr>
+            <a:picLocks noChangeAspect="1"/>
+          </p:cNvPicPr>
+          <p:nvPr/>
+        </p:nvPicPr>
+        <p:blipFill>
+          <a:blip r:embed="rId2"/>
+          <a:stretch>
+            <a:fillRect/>
+          </a:stretch>
+        </p:blipFill>
+        <p:spPr>
+          <a:xfrm>
+            <a:off x="914400" y="1280160"/>
+            <a:ext cx="7315200" cy="4180114"/>
+          </a:xfrm>
+          <a:prstGeom prst="rect">
+            <a:avLst/>
+          </a:prstGeom>
+        </p:spPr>
+      </p:pic>
+    </p:spTree>
+  </p:cSld>
+  <p:clrMapOvr>
+    <a:masterClrMapping/>
+  </p:clrMapOvr>
+</p:sld>
+</file>
+
+<file path=ppt/slides/slide42.xml><?xml version="1.0" encoding="utf-8"?>
+<p:sld xmlns:a="http://schemas.openxmlformats.org/drawingml/2006/main" xmlns:p="http://schemas.openxmlformats.org/presentationml/2006/main" xmlns:r="http://schemas.openxmlformats.org/officeDocument/2006/relationships">
+  <p:cSld>
+    <p:spTree>
+      <p:nvGrpSpPr>
+        <p:cNvPr id="1" name=""/>
+        <p:cNvGrpSpPr/>
+        <p:nvPr/>
+      </p:nvGrpSpPr>
+      <p:grpSpPr/>
+      <p:sp>
+        <p:nvSpPr>
+          <p:cNvPr id="2" name="TextBox 1"/>
+          <p:cNvSpPr txBox="1"/>
+          <p:nvPr/>
+        </p:nvSpPr>
+        <p:spPr>
+          <a:xfrm>
+            <a:off x="457200" y="365760"/>
+            <a:ext cx="8229600" cy="548640"/>
+          </a:xfrm>
+          <a:prstGeom prst="rect">
+            <a:avLst/>
+          </a:prstGeom>
+          <a:noFill/>
+        </p:spPr>
+        <p:txBody>
+          <a:bodyPr wrap="none">
+            <a:spAutoFit/>
+          </a:bodyPr>
+          <a:lstStyle/>
+          <a:p>
+            <a:pPr>
+              <a:defRPr sz="4000" b="1">
+                <a:solidFill>
+                  <a:srgbClr val="1F4E79"/>
+                </a:solidFill>
+              </a:defRPr>
+            </a:pPr>
+            <a:r>
+              <a:t>Leverage Plot 36</a:t>
+            </a:r>
+          </a:p>
+        </p:txBody>
+      </p:sp>
+      <p:cxnSp>
+        <p:nvCxnSpPr>
+          <p:cNvPr id="3" name="Connector 2"/>
+          <p:cNvCxnSpPr/>
+          <p:nvPr/>
+        </p:nvCxnSpPr>
+        <p:spPr>
+          <a:xfrm>
+            <a:off x="457200" y="1005840"/>
+            <a:ext cx="8229600" cy="0"/>
+          </a:xfrm>
+          <a:prstGeom prst="line">
+            <a:avLst/>
+          </a:prstGeom>
+          <a:ln w="25400">
+            <a:solidFill>
+              <a:srgbClr val="1F4E79"/>
+            </a:solidFill>
+          </a:ln>
+        </p:spPr>
+        <p:style>
+          <a:lnRef idx="2">
+            <a:schemeClr val="accent1"/>
+          </a:lnRef>
+          <a:fillRef idx="0">
+            <a:schemeClr val="accent1"/>
+          </a:fillRef>
+          <a:effectRef idx="1">
+            <a:schemeClr val="accent1"/>
+          </a:effectRef>
+          <a:fontRef idx="minor">
+            <a:schemeClr val="tx1"/>
+          </a:fontRef>
+        </p:style>
+      </p:cxnSp>
+      <p:pic>
+        <p:nvPicPr>
+          <p:cNvPr id="4" name="Picture 3" descr="image.png"/>
+          <p:cNvPicPr>
+            <a:picLocks noChangeAspect="1"/>
+          </p:cNvPicPr>
+          <p:nvPr/>
+        </p:nvPicPr>
+        <p:blipFill>
+          <a:blip r:embed="rId2"/>
+          <a:stretch>
+            <a:fillRect/>
+          </a:stretch>
+        </p:blipFill>
+        <p:spPr>
+          <a:xfrm>
+            <a:off x="914400" y="1280160"/>
+            <a:ext cx="7315200" cy="4180114"/>
+          </a:xfrm>
+          <a:prstGeom prst="rect">
+            <a:avLst/>
+          </a:prstGeom>
+        </p:spPr>
+      </p:pic>
+    </p:spTree>
+  </p:cSld>
+  <p:clrMapOvr>
+    <a:masterClrMapping/>
+  </p:clrMapOvr>
+</p:sld>
+</file>
+
+<file path=ppt/slides/slide43.xml><?xml version="1.0" encoding="utf-8"?>
+<p:sld xmlns:a="http://schemas.openxmlformats.org/drawingml/2006/main" xmlns:p="http://schemas.openxmlformats.org/presentationml/2006/main" xmlns:r="http://schemas.openxmlformats.org/officeDocument/2006/relationships">
+  <p:cSld>
+    <p:spTree>
+      <p:nvGrpSpPr>
+        <p:cNvPr id="1" name=""/>
+        <p:cNvGrpSpPr/>
+        <p:nvPr/>
+      </p:nvGrpSpPr>
+      <p:grpSpPr/>
+      <p:sp>
+        <p:nvSpPr>
+          <p:cNvPr id="2" name="TextBox 1"/>
+          <p:cNvSpPr txBox="1"/>
+          <p:nvPr/>
+        </p:nvSpPr>
+        <p:spPr>
+          <a:xfrm>
+            <a:off x="457200" y="365760"/>
+            <a:ext cx="8229600" cy="548640"/>
+          </a:xfrm>
+          <a:prstGeom prst="rect">
+            <a:avLst/>
+          </a:prstGeom>
+          <a:noFill/>
+        </p:spPr>
+        <p:txBody>
+          <a:bodyPr wrap="none">
+            <a:spAutoFit/>
+          </a:bodyPr>
+          <a:lstStyle/>
+          <a:p>
+            <a:pPr>
+              <a:defRPr sz="4000" b="1">
+                <a:solidFill>
+                  <a:srgbClr val="1F4E79"/>
+                </a:solidFill>
+              </a:defRPr>
+            </a:pPr>
+            <a:r>
+              <a:t>Leverage Plot 37</a:t>
+            </a:r>
+          </a:p>
+        </p:txBody>
+      </p:sp>
+      <p:cxnSp>
+        <p:nvCxnSpPr>
+          <p:cNvPr id="3" name="Connector 2"/>
+          <p:cNvCxnSpPr/>
+          <p:nvPr/>
+        </p:nvCxnSpPr>
+        <p:spPr>
+          <a:xfrm>
+            <a:off x="457200" y="1005840"/>
+            <a:ext cx="8229600" cy="0"/>
+          </a:xfrm>
+          <a:prstGeom prst="line">
+            <a:avLst/>
+          </a:prstGeom>
+          <a:ln w="25400">
+            <a:solidFill>
+              <a:srgbClr val="1F4E79"/>
+            </a:solidFill>
+          </a:ln>
+        </p:spPr>
+        <p:style>
+          <a:lnRef idx="2">
+            <a:schemeClr val="accent1"/>
+          </a:lnRef>
+          <a:fillRef idx="0">
+            <a:schemeClr val="accent1"/>
+          </a:fillRef>
+          <a:effectRef idx="1">
+            <a:schemeClr val="accent1"/>
+          </a:effectRef>
+          <a:fontRef idx="minor">
+            <a:schemeClr val="tx1"/>
+          </a:fontRef>
+        </p:style>
+      </p:cxnSp>
+      <p:pic>
+        <p:nvPicPr>
+          <p:cNvPr id="4" name="Picture 3" descr="image.png"/>
+          <p:cNvPicPr>
+            <a:picLocks noChangeAspect="1"/>
+          </p:cNvPicPr>
+          <p:nvPr/>
+        </p:nvPicPr>
+        <p:blipFill>
+          <a:blip r:embed="rId2"/>
+          <a:stretch>
+            <a:fillRect/>
+          </a:stretch>
+        </p:blipFill>
+        <p:spPr>
+          <a:xfrm>
+            <a:off x="914400" y="1280160"/>
+            <a:ext cx="7315200" cy="4180114"/>
+          </a:xfrm>
+          <a:prstGeom prst="rect">
+            <a:avLst/>
+          </a:prstGeom>
+        </p:spPr>
+      </p:pic>
+    </p:spTree>
+  </p:cSld>
+  <p:clrMapOvr>
+    <a:masterClrMapping/>
+  </p:clrMapOvr>
+</p:sld>
+</file>
+
+<file path=ppt/slides/slide44.xml><?xml version="1.0" encoding="utf-8"?>
+<p:sld xmlns:a="http://schemas.openxmlformats.org/drawingml/2006/main" xmlns:p="http://schemas.openxmlformats.org/presentationml/2006/main" xmlns:r="http://schemas.openxmlformats.org/officeDocument/2006/relationships">
+  <p:cSld>
+    <p:spTree>
+      <p:nvGrpSpPr>
+        <p:cNvPr id="1" name=""/>
+        <p:cNvGrpSpPr/>
+        <p:nvPr/>
+      </p:nvGrpSpPr>
+      <p:grpSpPr/>
+      <p:sp>
+        <p:nvSpPr>
+          <p:cNvPr id="2" name="TextBox 1"/>
+          <p:cNvSpPr txBox="1"/>
+          <p:nvPr/>
+        </p:nvSpPr>
+        <p:spPr>
+          <a:xfrm>
+            <a:off x="457200" y="365760"/>
+            <a:ext cx="8229600" cy="548640"/>
+          </a:xfrm>
+          <a:prstGeom prst="rect">
+            <a:avLst/>
+          </a:prstGeom>
+          <a:noFill/>
+        </p:spPr>
+        <p:txBody>
+          <a:bodyPr wrap="none">
+            <a:spAutoFit/>
+          </a:bodyPr>
+          <a:lstStyle/>
+          <a:p>
+            <a:pPr>
+              <a:defRPr sz="4000" b="1">
+                <a:solidFill>
+                  <a:srgbClr val="1F4E79"/>
+                </a:solidFill>
+              </a:defRPr>
+            </a:pPr>
+            <a:r>
+              <a:t>Leverage Plot 38</a:t>
+            </a:r>
+          </a:p>
+        </p:txBody>
+      </p:sp>
+      <p:cxnSp>
+        <p:nvCxnSpPr>
+          <p:cNvPr id="3" name="Connector 2"/>
+          <p:cNvCxnSpPr/>
+          <p:nvPr/>
+        </p:nvCxnSpPr>
+        <p:spPr>
+          <a:xfrm>
+            <a:off x="457200" y="1005840"/>
+            <a:ext cx="8229600" cy="0"/>
+          </a:xfrm>
+          <a:prstGeom prst="line">
+            <a:avLst/>
+          </a:prstGeom>
+          <a:ln w="25400">
+            <a:solidFill>
+              <a:srgbClr val="1F4E79"/>
+            </a:solidFill>
+          </a:ln>
+        </p:spPr>
+        <p:style>
+          <a:lnRef idx="2">
+            <a:schemeClr val="accent1"/>
+          </a:lnRef>
+          <a:fillRef idx="0">
+            <a:schemeClr val="accent1"/>
+          </a:fillRef>
+          <a:effectRef idx="1">
+            <a:schemeClr val="accent1"/>
+          </a:effectRef>
+          <a:fontRef idx="minor">
+            <a:schemeClr val="tx1"/>
+          </a:fontRef>
+        </p:style>
+      </p:cxnSp>
+      <p:pic>
+        <p:nvPicPr>
+          <p:cNvPr id="4" name="Picture 3" descr="image.png"/>
+          <p:cNvPicPr>
+            <a:picLocks noChangeAspect="1"/>
+          </p:cNvPicPr>
+          <p:nvPr/>
+        </p:nvPicPr>
+        <p:blipFill>
+          <a:blip r:embed="rId2"/>
+          <a:stretch>
+            <a:fillRect/>
+          </a:stretch>
+        </p:blipFill>
+        <p:spPr>
+          <a:xfrm>
+            <a:off x="914400" y="1280160"/>
+            <a:ext cx="7315200" cy="4180114"/>
+          </a:xfrm>
+          <a:prstGeom prst="rect">
+            <a:avLst/>
+          </a:prstGeom>
+        </p:spPr>
+      </p:pic>
+    </p:spTree>
+  </p:cSld>
+  <p:clrMapOvr>
+    <a:masterClrMapping/>
+  </p:clrMapOvr>
+</p:sld>
+</file>
+
+<file path=ppt/slides/slide45.xml><?xml version="1.0" encoding="utf-8"?>
+<p:sld xmlns:a="http://schemas.openxmlformats.org/drawingml/2006/main" xmlns:p="http://schemas.openxmlformats.org/presentationml/2006/main" xmlns:r="http://schemas.openxmlformats.org/officeDocument/2006/relationships">
+  <p:cSld>
+    <p:spTree>
+      <p:nvGrpSpPr>
+        <p:cNvPr id="1" name=""/>
+        <p:cNvGrpSpPr/>
+        <p:nvPr/>
+      </p:nvGrpSpPr>
+      <p:grpSpPr/>
+      <p:sp>
+        <p:nvSpPr>
+          <p:cNvPr id="2" name="TextBox 1"/>
+          <p:cNvSpPr txBox="1"/>
+          <p:nvPr/>
+        </p:nvSpPr>
+        <p:spPr>
+          <a:xfrm>
+            <a:off x="457200" y="365760"/>
+            <a:ext cx="8229600" cy="548640"/>
+          </a:xfrm>
+          <a:prstGeom prst="rect">
+            <a:avLst/>
+          </a:prstGeom>
+          <a:noFill/>
+        </p:spPr>
+        <p:txBody>
+          <a:bodyPr wrap="none">
+            <a:spAutoFit/>
+          </a:bodyPr>
+          <a:lstStyle/>
+          <a:p>
+            <a:pPr>
+              <a:defRPr sz="4000" b="1">
+                <a:solidFill>
+                  <a:srgbClr val="1F4E79"/>
+                </a:solidFill>
+              </a:defRPr>
+            </a:pPr>
+            <a:r>
+              <a:t>Leverage Plot 39</a:t>
+            </a:r>
+          </a:p>
+        </p:txBody>
+      </p:sp>
+      <p:cxnSp>
+        <p:nvCxnSpPr>
+          <p:cNvPr id="3" name="Connector 2"/>
+          <p:cNvCxnSpPr/>
+          <p:nvPr/>
+        </p:nvCxnSpPr>
+        <p:spPr>
+          <a:xfrm>
+            <a:off x="457200" y="1005840"/>
+            <a:ext cx="8229600" cy="0"/>
+          </a:xfrm>
+          <a:prstGeom prst="line">
+            <a:avLst/>
+          </a:prstGeom>
+          <a:ln w="25400">
+            <a:solidFill>
+              <a:srgbClr val="1F4E79"/>
+            </a:solidFill>
+          </a:ln>
+        </p:spPr>
+        <p:style>
+          <a:lnRef idx="2">
+            <a:schemeClr val="accent1"/>
+          </a:lnRef>
+          <a:fillRef idx="0">
+            <a:schemeClr val="accent1"/>
+          </a:fillRef>
+          <a:effectRef idx="1">
+            <a:schemeClr val="accent1"/>
+          </a:effectRef>
+          <a:fontRef idx="minor">
+            <a:schemeClr val="tx1"/>
+          </a:fontRef>
+        </p:style>
+      </p:cxnSp>
+      <p:pic>
+        <p:nvPicPr>
+          <p:cNvPr id="4" name="Picture 3" descr="image.png"/>
+          <p:cNvPicPr>
+            <a:picLocks noChangeAspect="1"/>
+          </p:cNvPicPr>
+          <p:nvPr/>
+        </p:nvPicPr>
+        <p:blipFill>
+          <a:blip r:embed="rId2"/>
+          <a:stretch>
+            <a:fillRect/>
+          </a:stretch>
+        </p:blipFill>
+        <p:spPr>
+          <a:xfrm>
+            <a:off x="914400" y="1280160"/>
+            <a:ext cx="7315200" cy="4180114"/>
+          </a:xfrm>
+          <a:prstGeom prst="rect">
+            <a:avLst/>
+          </a:prstGeom>
+        </p:spPr>
+      </p:pic>
+    </p:spTree>
+  </p:cSld>
+  <p:clrMapOvr>
+    <a:masterClrMapping/>
+  </p:clrMapOvr>
+</p:sld>
+</file>
+
+<file path=ppt/slides/slide46.xml><?xml version="1.0" encoding="utf-8"?>
+<p:sld xmlns:a="http://schemas.openxmlformats.org/drawingml/2006/main" xmlns:p="http://schemas.openxmlformats.org/presentationml/2006/main" xmlns:r="http://schemas.openxmlformats.org/officeDocument/2006/relationships">
+  <p:cSld>
+    <p:spTree>
+      <p:nvGrpSpPr>
+        <p:cNvPr id="1" name=""/>
+        <p:cNvGrpSpPr/>
+        <p:nvPr/>
+      </p:nvGrpSpPr>
+      <p:grpSpPr/>
+      <p:sp>
+        <p:nvSpPr>
+          <p:cNvPr id="2" name="TextBox 1"/>
+          <p:cNvSpPr txBox="1"/>
+          <p:nvPr/>
+        </p:nvSpPr>
+        <p:spPr>
+          <a:xfrm>
+            <a:off x="457200" y="365760"/>
+            <a:ext cx="8229600" cy="548640"/>
+          </a:xfrm>
+          <a:prstGeom prst="rect">
+            <a:avLst/>
+          </a:prstGeom>
+          <a:noFill/>
+        </p:spPr>
+        <p:txBody>
+          <a:bodyPr wrap="none">
+            <a:spAutoFit/>
+          </a:bodyPr>
+          <a:lstStyle/>
+          <a:p>
+            <a:pPr>
+              <a:defRPr sz="4000" b="1">
+                <a:solidFill>
+                  <a:srgbClr val="1F4E79"/>
+                </a:solidFill>
+              </a:defRPr>
+            </a:pPr>
+            <a:r>
+              <a:t>Leverage Plot 40</a:t>
+            </a:r>
+          </a:p>
+        </p:txBody>
+      </p:sp>
+      <p:cxnSp>
+        <p:nvCxnSpPr>
+          <p:cNvPr id="3" name="Connector 2"/>
+          <p:cNvCxnSpPr/>
+          <p:nvPr/>
+        </p:nvCxnSpPr>
+        <p:spPr>
+          <a:xfrm>
+            <a:off x="457200" y="1005840"/>
+            <a:ext cx="8229600" cy="0"/>
+          </a:xfrm>
+          <a:prstGeom prst="line">
+            <a:avLst/>
+          </a:prstGeom>
+          <a:ln w="25400">
+            <a:solidFill>
+              <a:srgbClr val="1F4E79"/>
+            </a:solidFill>
+          </a:ln>
+        </p:spPr>
+        <p:style>
+          <a:lnRef idx="2">
+            <a:schemeClr val="accent1"/>
+          </a:lnRef>
+          <a:fillRef idx="0">
+            <a:schemeClr val="accent1"/>
+          </a:fillRef>
+          <a:effectRef idx="1">
+            <a:schemeClr val="accent1"/>
+          </a:effectRef>
+          <a:fontRef idx="minor">
+            <a:schemeClr val="tx1"/>
+          </a:fontRef>
+        </p:style>
+      </p:cxnSp>
+      <p:pic>
+        <p:nvPicPr>
+          <p:cNvPr id="4" name="Picture 3" descr="image.png"/>
+          <p:cNvPicPr>
+            <a:picLocks noChangeAspect="1"/>
+          </p:cNvPicPr>
+          <p:nvPr/>
+        </p:nvPicPr>
+        <p:blipFill>
+          <a:blip r:embed="rId2"/>
+          <a:stretch>
+            <a:fillRect/>
+          </a:stretch>
+        </p:blipFill>
+        <p:spPr>
+          <a:xfrm>
+            <a:off x="914400" y="1280160"/>
+            <a:ext cx="7315200" cy="4180114"/>
+          </a:xfrm>
+          <a:prstGeom prst="rect">
+            <a:avLst/>
+          </a:prstGeom>
+        </p:spPr>
+      </p:pic>
+    </p:spTree>
+  </p:cSld>
+  <p:clrMapOvr>
+    <a:masterClrMapping/>
+  </p:clrMapOvr>
+</p:sld>
+</file>
+
+<file path=ppt/slides/slide47.xml><?xml version="1.0" encoding="utf-8"?>
+<p:sld xmlns:a="http://schemas.openxmlformats.org/drawingml/2006/main" xmlns:p="http://schemas.openxmlformats.org/presentationml/2006/main" xmlns:r="http://schemas.openxmlformats.org/officeDocument/2006/relationships">
+  <p:cSld>
+    <p:spTree>
+      <p:nvGrpSpPr>
+        <p:cNvPr id="1" name=""/>
+        <p:cNvGrpSpPr/>
+        <p:nvPr/>
+      </p:nvGrpSpPr>
+      <p:grpSpPr/>
+      <p:sp>
+        <p:nvSpPr>
+          <p:cNvPr id="2" name="TextBox 1"/>
+          <p:cNvSpPr txBox="1"/>
+          <p:nvPr/>
+        </p:nvSpPr>
+        <p:spPr>
+          <a:xfrm>
+            <a:off x="457200" y="365760"/>
+            <a:ext cx="8229600" cy="548640"/>
+          </a:xfrm>
+          <a:prstGeom prst="rect">
+            <a:avLst/>
+          </a:prstGeom>
+          <a:noFill/>
+        </p:spPr>
+        <p:txBody>
+          <a:bodyPr wrap="none">
+            <a:spAutoFit/>
+          </a:bodyPr>
+          <a:lstStyle/>
+          <a:p>
+            <a:pPr>
+              <a:defRPr sz="4000" b="1">
+                <a:solidFill>
+                  <a:srgbClr val="1F4E79"/>
+                </a:solidFill>
+              </a:defRPr>
+            </a:pPr>
+            <a:r>
+              <a:t>Leverage Plot 41</a:t>
+            </a:r>
+          </a:p>
+        </p:txBody>
+      </p:sp>
+      <p:cxnSp>
+        <p:nvCxnSpPr>
+          <p:cNvPr id="3" name="Connector 2"/>
+          <p:cNvCxnSpPr/>
+          <p:nvPr/>
+        </p:nvCxnSpPr>
+        <p:spPr>
+          <a:xfrm>
+            <a:off x="457200" y="1005840"/>
+            <a:ext cx="8229600" cy="0"/>
+          </a:xfrm>
+          <a:prstGeom prst="line">
+            <a:avLst/>
+          </a:prstGeom>
+          <a:ln w="25400">
+            <a:solidFill>
+              <a:srgbClr val="1F4E79"/>
+            </a:solidFill>
+          </a:ln>
+        </p:spPr>
+        <p:style>
+          <a:lnRef idx="2">
+            <a:schemeClr val="accent1"/>
+          </a:lnRef>
+          <a:fillRef idx="0">
+            <a:schemeClr val="accent1"/>
+          </a:fillRef>
+          <a:effectRef idx="1">
+            <a:schemeClr val="accent1"/>
+          </a:effectRef>
+          <a:fontRef idx="minor">
+            <a:schemeClr val="tx1"/>
+          </a:fontRef>
+        </p:style>
+      </p:cxnSp>
+      <p:pic>
+        <p:nvPicPr>
+          <p:cNvPr id="4" name="Picture 3" descr="image.png"/>
+          <p:cNvPicPr>
+            <a:picLocks noChangeAspect="1"/>
+          </p:cNvPicPr>
+          <p:nvPr/>
+        </p:nvPicPr>
+        <p:blipFill>
+          <a:blip r:embed="rId2"/>
+          <a:stretch>
+            <a:fillRect/>
+          </a:stretch>
+        </p:blipFill>
+        <p:spPr>
+          <a:xfrm>
+            <a:off x="914400" y="1280160"/>
+            <a:ext cx="7315200" cy="4180114"/>
+          </a:xfrm>
+          <a:prstGeom prst="rect">
+            <a:avLst/>
+          </a:prstGeom>
+        </p:spPr>
+      </p:pic>
+    </p:spTree>
+  </p:cSld>
+  <p:clrMapOvr>
+    <a:masterClrMapping/>
+  </p:clrMapOvr>
+</p:sld>
+</file>
+
+<file path=ppt/slides/slide48.xml><?xml version="1.0" encoding="utf-8"?>
+<p:sld xmlns:a="http://schemas.openxmlformats.org/drawingml/2006/main" xmlns:p="http://schemas.openxmlformats.org/presentationml/2006/main" xmlns:r="http://schemas.openxmlformats.org/officeDocument/2006/relationships">
+  <p:cSld>
+    <p:spTree>
+      <p:nvGrpSpPr>
+        <p:cNvPr id="1" name=""/>
+        <p:cNvGrpSpPr/>
+        <p:nvPr/>
+      </p:nvGrpSpPr>
+      <p:grpSpPr/>
+      <p:sp>
+        <p:nvSpPr>
+          <p:cNvPr id="2" name="TextBox 1"/>
+          <p:cNvSpPr txBox="1"/>
+          <p:nvPr/>
+        </p:nvSpPr>
+        <p:spPr>
+          <a:xfrm>
+            <a:off x="457200" y="365760"/>
+            <a:ext cx="8229600" cy="548640"/>
+          </a:xfrm>
+          <a:prstGeom prst="rect">
+            <a:avLst/>
+          </a:prstGeom>
+          <a:noFill/>
+        </p:spPr>
+        <p:txBody>
+          <a:bodyPr wrap="none">
+            <a:spAutoFit/>
+          </a:bodyPr>
+          <a:lstStyle/>
+          <a:p>
+            <a:pPr>
+              <a:defRPr sz="4000" b="1">
+                <a:solidFill>
+                  <a:srgbClr val="1F4E79"/>
+                </a:solidFill>
+              </a:defRPr>
+            </a:pPr>
+            <a:r>
+              <a:t>Leverage Plot 42</a:t>
+            </a:r>
+          </a:p>
+        </p:txBody>
+      </p:sp>
+      <p:cxnSp>
+        <p:nvCxnSpPr>
+          <p:cNvPr id="3" name="Connector 2"/>
+          <p:cNvCxnSpPr/>
+          <p:nvPr/>
+        </p:nvCxnSpPr>
+        <p:spPr>
+          <a:xfrm>
+            <a:off x="457200" y="1005840"/>
+            <a:ext cx="8229600" cy="0"/>
+          </a:xfrm>
+          <a:prstGeom prst="line">
+            <a:avLst/>
+          </a:prstGeom>
+          <a:ln w="25400">
+            <a:solidFill>
+              <a:srgbClr val="1F4E79"/>
+            </a:solidFill>
+          </a:ln>
+        </p:spPr>
+        <p:style>
+          <a:lnRef idx="2">
+            <a:schemeClr val="accent1"/>
+          </a:lnRef>
+          <a:fillRef idx="0">
+            <a:schemeClr val="accent1"/>
+          </a:fillRef>
+          <a:effectRef idx="1">
+            <a:schemeClr val="accent1"/>
+          </a:effectRef>
+          <a:fontRef idx="minor">
+            <a:schemeClr val="tx1"/>
+          </a:fontRef>
+        </p:style>
+      </p:cxnSp>
+      <p:pic>
+        <p:nvPicPr>
+          <p:cNvPr id="4" name="Picture 3" descr="image.png"/>
+          <p:cNvPicPr>
+            <a:picLocks noChangeAspect="1"/>
+          </p:cNvPicPr>
+          <p:nvPr/>
+        </p:nvPicPr>
+        <p:blipFill>
+          <a:blip r:embed="rId2"/>
+          <a:stretch>
+            <a:fillRect/>
+          </a:stretch>
+        </p:blipFill>
+        <p:spPr>
+          <a:xfrm>
+            <a:off x="914400" y="1280160"/>
+            <a:ext cx="7315200" cy="4180114"/>
+          </a:xfrm>
+          <a:prstGeom prst="rect">
+            <a:avLst/>
+          </a:prstGeom>
+        </p:spPr>
+      </p:pic>
+    </p:spTree>
+  </p:cSld>
+  <p:clrMapOvr>
+    <a:masterClrMapping/>
+  </p:clrMapOvr>
+</p:sld>
+</file>
+
+<file path=ppt/slides/slide49.xml><?xml version="1.0" encoding="utf-8"?>
+<p:sld xmlns:a="http://schemas.openxmlformats.org/drawingml/2006/main" xmlns:p="http://schemas.openxmlformats.org/presentationml/2006/main" xmlns:r="http://schemas.openxmlformats.org/officeDocument/2006/relationships">
+  <p:cSld>
+    <p:spTree>
+      <p:nvGrpSpPr>
+        <p:cNvPr id="1" name=""/>
+        <p:cNvGrpSpPr/>
+        <p:nvPr/>
+      </p:nvGrpSpPr>
+      <p:grpSpPr/>
+      <p:sp>
+        <p:nvSpPr>
+          <p:cNvPr id="2" name="TextBox 1"/>
+          <p:cNvSpPr txBox="1"/>
+          <p:nvPr/>
+        </p:nvSpPr>
+        <p:spPr>
+          <a:xfrm>
+            <a:off x="457200" y="365760"/>
+            <a:ext cx="8229600" cy="548640"/>
+          </a:xfrm>
+          <a:prstGeom prst="rect">
+            <a:avLst/>
+          </a:prstGeom>
+          <a:noFill/>
+        </p:spPr>
+        <p:txBody>
+          <a:bodyPr wrap="none">
+            <a:spAutoFit/>
+          </a:bodyPr>
+          <a:lstStyle/>
+          <a:p>
+            <a:pPr>
+              <a:defRPr sz="4000" b="1">
+                <a:solidFill>
+                  <a:srgbClr val="1F4E79"/>
+                </a:solidFill>
+              </a:defRPr>
+            </a:pPr>
+            <a:r>
+              <a:t>Leverage Plot 43</a:t>
+            </a:r>
+          </a:p>
+        </p:txBody>
+      </p:sp>
+      <p:cxnSp>
+        <p:nvCxnSpPr>
+          <p:cNvPr id="3" name="Connector 2"/>
+          <p:cNvCxnSpPr/>
+          <p:nvPr/>
+        </p:nvCxnSpPr>
+        <p:spPr>
+          <a:xfrm>
+            <a:off x="457200" y="1005840"/>
+            <a:ext cx="8229600" cy="0"/>
+          </a:xfrm>
+          <a:prstGeom prst="line">
+            <a:avLst/>
+          </a:prstGeom>
+          <a:ln w="25400">
+            <a:solidFill>
+              <a:srgbClr val="1F4E79"/>
+            </a:solidFill>
+          </a:ln>
+        </p:spPr>
+        <p:style>
+          <a:lnRef idx="2">
+            <a:schemeClr val="accent1"/>
+          </a:lnRef>
+          <a:fillRef idx="0">
+            <a:schemeClr val="accent1"/>
+          </a:fillRef>
+          <a:effectRef idx="1">
+            <a:schemeClr val="accent1"/>
+          </a:effectRef>
+          <a:fontRef idx="minor">
+            <a:schemeClr val="tx1"/>
+          </a:fontRef>
+        </p:style>
+      </p:cxnSp>
+      <p:pic>
+        <p:nvPicPr>
+          <p:cNvPr id="4" name="Picture 3" descr="image.png"/>
+          <p:cNvPicPr>
+            <a:picLocks noChangeAspect="1"/>
+          </p:cNvPicPr>
+          <p:nvPr/>
+        </p:nvPicPr>
+        <p:blipFill>
+          <a:blip r:embed="rId2"/>
+          <a:stretch>
+            <a:fillRect/>
+          </a:stretch>
+        </p:blipFill>
+        <p:spPr>
+          <a:xfrm>
+            <a:off x="914400" y="1280160"/>
+            <a:ext cx="7315200" cy="4180114"/>
+          </a:xfrm>
+          <a:prstGeom prst="rect">
+            <a:avLst/>
+          </a:prstGeom>
+        </p:spPr>
+      </p:pic>
+    </p:spTree>
+  </p:cSld>
+  <p:clrMapOvr>
+    <a:masterClrMapping/>
+  </p:clrMapOvr>
+</p:sld>
+</file>
+
+<file path=ppt/slides/slide5.xml><?xml version="1.0" encoding="utf-8"?>
+<p:sld xmlns:a="http://schemas.openxmlformats.org/drawingml/2006/main" xmlns:p="http://schemas.openxmlformats.org/presentationml/2006/main" xmlns:r="http://schemas.openxmlformats.org/officeDocument/2006/relationships">
+  <p:cSld>
+    <p:spTree>
+      <p:nvGrpSpPr>
+        <p:cNvPr id="1" name=""/>
+        <p:cNvGrpSpPr/>
+        <p:nvPr/>
+      </p:nvGrpSpPr>
+      <p:grpSpPr/>
+      <p:sp>
+        <p:nvSpPr>
+          <p:cNvPr id="2" name="TextBox 1"/>
+          <p:cNvSpPr txBox="1"/>
+          <p:nvPr/>
+        </p:nvSpPr>
+        <p:spPr>
+          <a:xfrm>
+            <a:off x="457200" y="365760"/>
+            <a:ext cx="8229600" cy="548640"/>
+          </a:xfrm>
+          <a:prstGeom prst="rect">
+            <a:avLst/>
+          </a:prstGeom>
+          <a:noFill/>
+        </p:spPr>
+        <p:txBody>
+          <a:bodyPr wrap="none">
+            <a:spAutoFit/>
+          </a:bodyPr>
+          <a:lstStyle/>
+          <a:p>
+            <a:pPr>
+              <a:defRPr sz="4000" b="1">
+                <a:solidFill>
+                  <a:srgbClr val="1F4E79"/>
+                </a:solidFill>
+              </a:defRPr>
+            </a:pPr>
+            <a:r>
+              <a:t>ANOVA Table (Type I - Sequential)</a:t>
             </a:r>
           </a:p>
         </p:txBody>
@@ -6150,7 +9480,7 @@
 </p:sld>
 </file>
 
-<file path=ppt/slides/slide24.xml><?xml version="1.0" encoding="utf-8"?>
+<file path=ppt/slides/slide50.xml><?xml version="1.0" encoding="utf-8"?>
 <p:sld xmlns:a="http://schemas.openxmlformats.org/drawingml/2006/main" xmlns:p="http://schemas.openxmlformats.org/presentationml/2006/main" xmlns:r="http://schemas.openxmlformats.org/officeDocument/2006/relationships">
   <p:cSld>
     <p:spTree>
@@ -6190,7 +9520,903 @@
               </a:defRPr>
             </a:pPr>
             <a:r>
-              <a:t>Results Table 3</a:t>
+              <a:t>Leverage Plot 44</a:t>
+            </a:r>
+          </a:p>
+        </p:txBody>
+      </p:sp>
+      <p:cxnSp>
+        <p:nvCxnSpPr>
+          <p:cNvPr id="3" name="Connector 2"/>
+          <p:cNvCxnSpPr/>
+          <p:nvPr/>
+        </p:nvCxnSpPr>
+        <p:spPr>
+          <a:xfrm>
+            <a:off x="457200" y="1005840"/>
+            <a:ext cx="8229600" cy="0"/>
+          </a:xfrm>
+          <a:prstGeom prst="line">
+            <a:avLst/>
+          </a:prstGeom>
+          <a:ln w="25400">
+            <a:solidFill>
+              <a:srgbClr val="1F4E79"/>
+            </a:solidFill>
+          </a:ln>
+        </p:spPr>
+        <p:style>
+          <a:lnRef idx="2">
+            <a:schemeClr val="accent1"/>
+          </a:lnRef>
+          <a:fillRef idx="0">
+            <a:schemeClr val="accent1"/>
+          </a:fillRef>
+          <a:effectRef idx="1">
+            <a:schemeClr val="accent1"/>
+          </a:effectRef>
+          <a:fontRef idx="minor">
+            <a:schemeClr val="tx1"/>
+          </a:fontRef>
+        </p:style>
+      </p:cxnSp>
+      <p:pic>
+        <p:nvPicPr>
+          <p:cNvPr id="4" name="Picture 3" descr="image.png"/>
+          <p:cNvPicPr>
+            <a:picLocks noChangeAspect="1"/>
+          </p:cNvPicPr>
+          <p:nvPr/>
+        </p:nvPicPr>
+        <p:blipFill>
+          <a:blip r:embed="rId2"/>
+          <a:stretch>
+            <a:fillRect/>
+          </a:stretch>
+        </p:blipFill>
+        <p:spPr>
+          <a:xfrm>
+            <a:off x="914400" y="1280160"/>
+            <a:ext cx="7315200" cy="4180114"/>
+          </a:xfrm>
+          <a:prstGeom prst="rect">
+            <a:avLst/>
+          </a:prstGeom>
+        </p:spPr>
+      </p:pic>
+    </p:spTree>
+  </p:cSld>
+  <p:clrMapOvr>
+    <a:masterClrMapping/>
+  </p:clrMapOvr>
+</p:sld>
+</file>
+
+<file path=ppt/slides/slide51.xml><?xml version="1.0" encoding="utf-8"?>
+<p:sld xmlns:a="http://schemas.openxmlformats.org/drawingml/2006/main" xmlns:p="http://schemas.openxmlformats.org/presentationml/2006/main" xmlns:r="http://schemas.openxmlformats.org/officeDocument/2006/relationships">
+  <p:cSld>
+    <p:spTree>
+      <p:nvGrpSpPr>
+        <p:cNvPr id="1" name=""/>
+        <p:cNvGrpSpPr/>
+        <p:nvPr/>
+      </p:nvGrpSpPr>
+      <p:grpSpPr/>
+      <p:sp>
+        <p:nvSpPr>
+          <p:cNvPr id="2" name="TextBox 1"/>
+          <p:cNvSpPr txBox="1"/>
+          <p:nvPr/>
+        </p:nvSpPr>
+        <p:spPr>
+          <a:xfrm>
+            <a:off x="457200" y="365760"/>
+            <a:ext cx="8229600" cy="548640"/>
+          </a:xfrm>
+          <a:prstGeom prst="rect">
+            <a:avLst/>
+          </a:prstGeom>
+          <a:noFill/>
+        </p:spPr>
+        <p:txBody>
+          <a:bodyPr wrap="none">
+            <a:spAutoFit/>
+          </a:bodyPr>
+          <a:lstStyle/>
+          <a:p>
+            <a:pPr>
+              <a:defRPr sz="4000" b="1">
+                <a:solidFill>
+                  <a:srgbClr val="1F4E79"/>
+                </a:solidFill>
+              </a:defRPr>
+            </a:pPr>
+            <a:r>
+              <a:t>Leverage Plot 45</a:t>
+            </a:r>
+          </a:p>
+        </p:txBody>
+      </p:sp>
+      <p:cxnSp>
+        <p:nvCxnSpPr>
+          <p:cNvPr id="3" name="Connector 2"/>
+          <p:cNvCxnSpPr/>
+          <p:nvPr/>
+        </p:nvCxnSpPr>
+        <p:spPr>
+          <a:xfrm>
+            <a:off x="457200" y="1005840"/>
+            <a:ext cx="8229600" cy="0"/>
+          </a:xfrm>
+          <a:prstGeom prst="line">
+            <a:avLst/>
+          </a:prstGeom>
+          <a:ln w="25400">
+            <a:solidFill>
+              <a:srgbClr val="1F4E79"/>
+            </a:solidFill>
+          </a:ln>
+        </p:spPr>
+        <p:style>
+          <a:lnRef idx="2">
+            <a:schemeClr val="accent1"/>
+          </a:lnRef>
+          <a:fillRef idx="0">
+            <a:schemeClr val="accent1"/>
+          </a:fillRef>
+          <a:effectRef idx="1">
+            <a:schemeClr val="accent1"/>
+          </a:effectRef>
+          <a:fontRef idx="minor">
+            <a:schemeClr val="tx1"/>
+          </a:fontRef>
+        </p:style>
+      </p:cxnSp>
+      <p:pic>
+        <p:nvPicPr>
+          <p:cNvPr id="4" name="Picture 3" descr="image.png"/>
+          <p:cNvPicPr>
+            <a:picLocks noChangeAspect="1"/>
+          </p:cNvPicPr>
+          <p:nvPr/>
+        </p:nvPicPr>
+        <p:blipFill>
+          <a:blip r:embed="rId2"/>
+          <a:stretch>
+            <a:fillRect/>
+          </a:stretch>
+        </p:blipFill>
+        <p:spPr>
+          <a:xfrm>
+            <a:off x="914400" y="1280160"/>
+            <a:ext cx="7315200" cy="4180114"/>
+          </a:xfrm>
+          <a:prstGeom prst="rect">
+            <a:avLst/>
+          </a:prstGeom>
+        </p:spPr>
+      </p:pic>
+    </p:spTree>
+  </p:cSld>
+  <p:clrMapOvr>
+    <a:masterClrMapping/>
+  </p:clrMapOvr>
+</p:sld>
+</file>
+
+<file path=ppt/slides/slide52.xml><?xml version="1.0" encoding="utf-8"?>
+<p:sld xmlns:a="http://schemas.openxmlformats.org/drawingml/2006/main" xmlns:p="http://schemas.openxmlformats.org/presentationml/2006/main" xmlns:r="http://schemas.openxmlformats.org/officeDocument/2006/relationships">
+  <p:cSld>
+    <p:spTree>
+      <p:nvGrpSpPr>
+        <p:cNvPr id="1" name=""/>
+        <p:cNvGrpSpPr/>
+        <p:nvPr/>
+      </p:nvGrpSpPr>
+      <p:grpSpPr/>
+      <p:sp>
+        <p:nvSpPr>
+          <p:cNvPr id="2" name="TextBox 1"/>
+          <p:cNvSpPr txBox="1"/>
+          <p:nvPr/>
+        </p:nvSpPr>
+        <p:spPr>
+          <a:xfrm>
+            <a:off x="457200" y="365760"/>
+            <a:ext cx="8229600" cy="548640"/>
+          </a:xfrm>
+          <a:prstGeom prst="rect">
+            <a:avLst/>
+          </a:prstGeom>
+          <a:noFill/>
+        </p:spPr>
+        <p:txBody>
+          <a:bodyPr wrap="none">
+            <a:spAutoFit/>
+          </a:bodyPr>
+          <a:lstStyle/>
+          <a:p>
+            <a:pPr>
+              <a:defRPr sz="4000" b="1">
+                <a:solidFill>
+                  <a:srgbClr val="1F4E79"/>
+                </a:solidFill>
+              </a:defRPr>
+            </a:pPr>
+            <a:r>
+              <a:t>Leverage Plot 46</a:t>
+            </a:r>
+          </a:p>
+        </p:txBody>
+      </p:sp>
+      <p:cxnSp>
+        <p:nvCxnSpPr>
+          <p:cNvPr id="3" name="Connector 2"/>
+          <p:cNvCxnSpPr/>
+          <p:nvPr/>
+        </p:nvCxnSpPr>
+        <p:spPr>
+          <a:xfrm>
+            <a:off x="457200" y="1005840"/>
+            <a:ext cx="8229600" cy="0"/>
+          </a:xfrm>
+          <a:prstGeom prst="line">
+            <a:avLst/>
+          </a:prstGeom>
+          <a:ln w="25400">
+            <a:solidFill>
+              <a:srgbClr val="1F4E79"/>
+            </a:solidFill>
+          </a:ln>
+        </p:spPr>
+        <p:style>
+          <a:lnRef idx="2">
+            <a:schemeClr val="accent1"/>
+          </a:lnRef>
+          <a:fillRef idx="0">
+            <a:schemeClr val="accent1"/>
+          </a:fillRef>
+          <a:effectRef idx="1">
+            <a:schemeClr val="accent1"/>
+          </a:effectRef>
+          <a:fontRef idx="minor">
+            <a:schemeClr val="tx1"/>
+          </a:fontRef>
+        </p:style>
+      </p:cxnSp>
+      <p:pic>
+        <p:nvPicPr>
+          <p:cNvPr id="4" name="Picture 3" descr="image.png"/>
+          <p:cNvPicPr>
+            <a:picLocks noChangeAspect="1"/>
+          </p:cNvPicPr>
+          <p:nvPr/>
+        </p:nvPicPr>
+        <p:blipFill>
+          <a:blip r:embed="rId2"/>
+          <a:stretch>
+            <a:fillRect/>
+          </a:stretch>
+        </p:blipFill>
+        <p:spPr>
+          <a:xfrm>
+            <a:off x="914400" y="1280160"/>
+            <a:ext cx="7315200" cy="4180114"/>
+          </a:xfrm>
+          <a:prstGeom prst="rect">
+            <a:avLst/>
+          </a:prstGeom>
+        </p:spPr>
+      </p:pic>
+    </p:spTree>
+  </p:cSld>
+  <p:clrMapOvr>
+    <a:masterClrMapping/>
+  </p:clrMapOvr>
+</p:sld>
+</file>
+
+<file path=ppt/slides/slide53.xml><?xml version="1.0" encoding="utf-8"?>
+<p:sld xmlns:a="http://schemas.openxmlformats.org/drawingml/2006/main" xmlns:p="http://schemas.openxmlformats.org/presentationml/2006/main" xmlns:r="http://schemas.openxmlformats.org/officeDocument/2006/relationships">
+  <p:cSld>
+    <p:spTree>
+      <p:nvGrpSpPr>
+        <p:cNvPr id="1" name=""/>
+        <p:cNvGrpSpPr/>
+        <p:nvPr/>
+      </p:nvGrpSpPr>
+      <p:grpSpPr/>
+      <p:sp>
+        <p:nvSpPr>
+          <p:cNvPr id="2" name="TextBox 1"/>
+          <p:cNvSpPr txBox="1"/>
+          <p:nvPr/>
+        </p:nvSpPr>
+        <p:spPr>
+          <a:xfrm>
+            <a:off x="457200" y="365760"/>
+            <a:ext cx="8229600" cy="548640"/>
+          </a:xfrm>
+          <a:prstGeom prst="rect">
+            <a:avLst/>
+          </a:prstGeom>
+          <a:noFill/>
+        </p:spPr>
+        <p:txBody>
+          <a:bodyPr wrap="none">
+            <a:spAutoFit/>
+          </a:bodyPr>
+          <a:lstStyle/>
+          <a:p>
+            <a:pPr>
+              <a:defRPr sz="4000" b="1">
+                <a:solidFill>
+                  <a:srgbClr val="1F4E79"/>
+                </a:solidFill>
+              </a:defRPr>
+            </a:pPr>
+            <a:r>
+              <a:t>Leverage Plot 47</a:t>
+            </a:r>
+          </a:p>
+        </p:txBody>
+      </p:sp>
+      <p:cxnSp>
+        <p:nvCxnSpPr>
+          <p:cNvPr id="3" name="Connector 2"/>
+          <p:cNvCxnSpPr/>
+          <p:nvPr/>
+        </p:nvCxnSpPr>
+        <p:spPr>
+          <a:xfrm>
+            <a:off x="457200" y="1005840"/>
+            <a:ext cx="8229600" cy="0"/>
+          </a:xfrm>
+          <a:prstGeom prst="line">
+            <a:avLst/>
+          </a:prstGeom>
+          <a:ln w="25400">
+            <a:solidFill>
+              <a:srgbClr val="1F4E79"/>
+            </a:solidFill>
+          </a:ln>
+        </p:spPr>
+        <p:style>
+          <a:lnRef idx="2">
+            <a:schemeClr val="accent1"/>
+          </a:lnRef>
+          <a:fillRef idx="0">
+            <a:schemeClr val="accent1"/>
+          </a:fillRef>
+          <a:effectRef idx="1">
+            <a:schemeClr val="accent1"/>
+          </a:effectRef>
+          <a:fontRef idx="minor">
+            <a:schemeClr val="tx1"/>
+          </a:fontRef>
+        </p:style>
+      </p:cxnSp>
+      <p:pic>
+        <p:nvPicPr>
+          <p:cNvPr id="4" name="Picture 3" descr="image.png"/>
+          <p:cNvPicPr>
+            <a:picLocks noChangeAspect="1"/>
+          </p:cNvPicPr>
+          <p:nvPr/>
+        </p:nvPicPr>
+        <p:blipFill>
+          <a:blip r:embed="rId2"/>
+          <a:stretch>
+            <a:fillRect/>
+          </a:stretch>
+        </p:blipFill>
+        <p:spPr>
+          <a:xfrm>
+            <a:off x="914400" y="1280160"/>
+            <a:ext cx="7315200" cy="4180114"/>
+          </a:xfrm>
+          <a:prstGeom prst="rect">
+            <a:avLst/>
+          </a:prstGeom>
+        </p:spPr>
+      </p:pic>
+    </p:spTree>
+  </p:cSld>
+  <p:clrMapOvr>
+    <a:masterClrMapping/>
+  </p:clrMapOvr>
+</p:sld>
+</file>
+
+<file path=ppt/slides/slide54.xml><?xml version="1.0" encoding="utf-8"?>
+<p:sld xmlns:a="http://schemas.openxmlformats.org/drawingml/2006/main" xmlns:p="http://schemas.openxmlformats.org/presentationml/2006/main" xmlns:r="http://schemas.openxmlformats.org/officeDocument/2006/relationships">
+  <p:cSld>
+    <p:spTree>
+      <p:nvGrpSpPr>
+        <p:cNvPr id="1" name=""/>
+        <p:cNvGrpSpPr/>
+        <p:nvPr/>
+      </p:nvGrpSpPr>
+      <p:grpSpPr/>
+      <p:sp>
+        <p:nvSpPr>
+          <p:cNvPr id="2" name="TextBox 1"/>
+          <p:cNvSpPr txBox="1"/>
+          <p:nvPr/>
+        </p:nvSpPr>
+        <p:spPr>
+          <a:xfrm>
+            <a:off x="457200" y="365760"/>
+            <a:ext cx="8229600" cy="548640"/>
+          </a:xfrm>
+          <a:prstGeom prst="rect">
+            <a:avLst/>
+          </a:prstGeom>
+          <a:noFill/>
+        </p:spPr>
+        <p:txBody>
+          <a:bodyPr wrap="none">
+            <a:spAutoFit/>
+          </a:bodyPr>
+          <a:lstStyle/>
+          <a:p>
+            <a:pPr>
+              <a:defRPr sz="4000" b="1">
+                <a:solidFill>
+                  <a:srgbClr val="1F4E79"/>
+                </a:solidFill>
+              </a:defRPr>
+            </a:pPr>
+            <a:r>
+              <a:t>Leverage Plot 48</a:t>
+            </a:r>
+          </a:p>
+        </p:txBody>
+      </p:sp>
+      <p:cxnSp>
+        <p:nvCxnSpPr>
+          <p:cNvPr id="3" name="Connector 2"/>
+          <p:cNvCxnSpPr/>
+          <p:nvPr/>
+        </p:nvCxnSpPr>
+        <p:spPr>
+          <a:xfrm>
+            <a:off x="457200" y="1005840"/>
+            <a:ext cx="8229600" cy="0"/>
+          </a:xfrm>
+          <a:prstGeom prst="line">
+            <a:avLst/>
+          </a:prstGeom>
+          <a:ln w="25400">
+            <a:solidFill>
+              <a:srgbClr val="1F4E79"/>
+            </a:solidFill>
+          </a:ln>
+        </p:spPr>
+        <p:style>
+          <a:lnRef idx="2">
+            <a:schemeClr val="accent1"/>
+          </a:lnRef>
+          <a:fillRef idx="0">
+            <a:schemeClr val="accent1"/>
+          </a:fillRef>
+          <a:effectRef idx="1">
+            <a:schemeClr val="accent1"/>
+          </a:effectRef>
+          <a:fontRef idx="minor">
+            <a:schemeClr val="tx1"/>
+          </a:fontRef>
+        </p:style>
+      </p:cxnSp>
+      <p:pic>
+        <p:nvPicPr>
+          <p:cNvPr id="4" name="Picture 3" descr="image.png"/>
+          <p:cNvPicPr>
+            <a:picLocks noChangeAspect="1"/>
+          </p:cNvPicPr>
+          <p:nvPr/>
+        </p:nvPicPr>
+        <p:blipFill>
+          <a:blip r:embed="rId2"/>
+          <a:stretch>
+            <a:fillRect/>
+          </a:stretch>
+        </p:blipFill>
+        <p:spPr>
+          <a:xfrm>
+            <a:off x="914400" y="1280160"/>
+            <a:ext cx="7315200" cy="4180114"/>
+          </a:xfrm>
+          <a:prstGeom prst="rect">
+            <a:avLst/>
+          </a:prstGeom>
+        </p:spPr>
+      </p:pic>
+    </p:spTree>
+  </p:cSld>
+  <p:clrMapOvr>
+    <a:masterClrMapping/>
+  </p:clrMapOvr>
+</p:sld>
+</file>
+
+<file path=ppt/slides/slide55.xml><?xml version="1.0" encoding="utf-8"?>
+<p:sld xmlns:a="http://schemas.openxmlformats.org/drawingml/2006/main" xmlns:p="http://schemas.openxmlformats.org/presentationml/2006/main" xmlns:r="http://schemas.openxmlformats.org/officeDocument/2006/relationships">
+  <p:cSld>
+    <p:spTree>
+      <p:nvGrpSpPr>
+        <p:cNvPr id="1" name=""/>
+        <p:cNvGrpSpPr/>
+        <p:nvPr/>
+      </p:nvGrpSpPr>
+      <p:grpSpPr/>
+      <p:sp>
+        <p:nvSpPr>
+          <p:cNvPr id="2" name="TextBox 1"/>
+          <p:cNvSpPr txBox="1"/>
+          <p:nvPr/>
+        </p:nvSpPr>
+        <p:spPr>
+          <a:xfrm>
+            <a:off x="457200" y="365760"/>
+            <a:ext cx="8229600" cy="548640"/>
+          </a:xfrm>
+          <a:prstGeom prst="rect">
+            <a:avLst/>
+          </a:prstGeom>
+          <a:noFill/>
+        </p:spPr>
+        <p:txBody>
+          <a:bodyPr wrap="none">
+            <a:spAutoFit/>
+          </a:bodyPr>
+          <a:lstStyle/>
+          <a:p>
+            <a:pPr>
+              <a:defRPr sz="4000" b="1">
+                <a:solidFill>
+                  <a:srgbClr val="1F4E79"/>
+                </a:solidFill>
+              </a:defRPr>
+            </a:pPr>
+            <a:r>
+              <a:t>Leverage Plot 49</a:t>
+            </a:r>
+          </a:p>
+        </p:txBody>
+      </p:sp>
+      <p:cxnSp>
+        <p:nvCxnSpPr>
+          <p:cNvPr id="3" name="Connector 2"/>
+          <p:cNvCxnSpPr/>
+          <p:nvPr/>
+        </p:nvCxnSpPr>
+        <p:spPr>
+          <a:xfrm>
+            <a:off x="457200" y="1005840"/>
+            <a:ext cx="8229600" cy="0"/>
+          </a:xfrm>
+          <a:prstGeom prst="line">
+            <a:avLst/>
+          </a:prstGeom>
+          <a:ln w="25400">
+            <a:solidFill>
+              <a:srgbClr val="1F4E79"/>
+            </a:solidFill>
+          </a:ln>
+        </p:spPr>
+        <p:style>
+          <a:lnRef idx="2">
+            <a:schemeClr val="accent1"/>
+          </a:lnRef>
+          <a:fillRef idx="0">
+            <a:schemeClr val="accent1"/>
+          </a:fillRef>
+          <a:effectRef idx="1">
+            <a:schemeClr val="accent1"/>
+          </a:effectRef>
+          <a:fontRef idx="minor">
+            <a:schemeClr val="tx1"/>
+          </a:fontRef>
+        </p:style>
+      </p:cxnSp>
+      <p:pic>
+        <p:nvPicPr>
+          <p:cNvPr id="4" name="Picture 3" descr="image.png"/>
+          <p:cNvPicPr>
+            <a:picLocks noChangeAspect="1"/>
+          </p:cNvPicPr>
+          <p:nvPr/>
+        </p:nvPicPr>
+        <p:blipFill>
+          <a:blip r:embed="rId2"/>
+          <a:stretch>
+            <a:fillRect/>
+          </a:stretch>
+        </p:blipFill>
+        <p:spPr>
+          <a:xfrm>
+            <a:off x="914400" y="1280160"/>
+            <a:ext cx="7315200" cy="4180114"/>
+          </a:xfrm>
+          <a:prstGeom prst="rect">
+            <a:avLst/>
+          </a:prstGeom>
+        </p:spPr>
+      </p:pic>
+    </p:spTree>
+  </p:cSld>
+  <p:clrMapOvr>
+    <a:masterClrMapping/>
+  </p:clrMapOvr>
+</p:sld>
+</file>
+
+<file path=ppt/slides/slide56.xml><?xml version="1.0" encoding="utf-8"?>
+<p:sld xmlns:a="http://schemas.openxmlformats.org/drawingml/2006/main" xmlns:p="http://schemas.openxmlformats.org/presentationml/2006/main" xmlns:r="http://schemas.openxmlformats.org/officeDocument/2006/relationships">
+  <p:cSld>
+    <p:spTree>
+      <p:nvGrpSpPr>
+        <p:cNvPr id="1" name=""/>
+        <p:cNvGrpSpPr/>
+        <p:nvPr/>
+      </p:nvGrpSpPr>
+      <p:grpSpPr/>
+      <p:sp>
+        <p:nvSpPr>
+          <p:cNvPr id="2" name="TextBox 1"/>
+          <p:cNvSpPr txBox="1"/>
+          <p:nvPr/>
+        </p:nvSpPr>
+        <p:spPr>
+          <a:xfrm>
+            <a:off x="457200" y="365760"/>
+            <a:ext cx="8229600" cy="548640"/>
+          </a:xfrm>
+          <a:prstGeom prst="rect">
+            <a:avLst/>
+          </a:prstGeom>
+          <a:noFill/>
+        </p:spPr>
+        <p:txBody>
+          <a:bodyPr wrap="none">
+            <a:spAutoFit/>
+          </a:bodyPr>
+          <a:lstStyle/>
+          <a:p>
+            <a:pPr>
+              <a:defRPr sz="4000" b="1">
+                <a:solidFill>
+                  <a:srgbClr val="1F4E79"/>
+                </a:solidFill>
+              </a:defRPr>
+            </a:pPr>
+            <a:r>
+              <a:t>Leverage Plot 50</a:t>
+            </a:r>
+          </a:p>
+        </p:txBody>
+      </p:sp>
+      <p:cxnSp>
+        <p:nvCxnSpPr>
+          <p:cNvPr id="3" name="Connector 2"/>
+          <p:cNvCxnSpPr/>
+          <p:nvPr/>
+        </p:nvCxnSpPr>
+        <p:spPr>
+          <a:xfrm>
+            <a:off x="457200" y="1005840"/>
+            <a:ext cx="8229600" cy="0"/>
+          </a:xfrm>
+          <a:prstGeom prst="line">
+            <a:avLst/>
+          </a:prstGeom>
+          <a:ln w="25400">
+            <a:solidFill>
+              <a:srgbClr val="1F4E79"/>
+            </a:solidFill>
+          </a:ln>
+        </p:spPr>
+        <p:style>
+          <a:lnRef idx="2">
+            <a:schemeClr val="accent1"/>
+          </a:lnRef>
+          <a:fillRef idx="0">
+            <a:schemeClr val="accent1"/>
+          </a:fillRef>
+          <a:effectRef idx="1">
+            <a:schemeClr val="accent1"/>
+          </a:effectRef>
+          <a:fontRef idx="minor">
+            <a:schemeClr val="tx1"/>
+          </a:fontRef>
+        </p:style>
+      </p:cxnSp>
+      <p:pic>
+        <p:nvPicPr>
+          <p:cNvPr id="4" name="Picture 3" descr="image.png"/>
+          <p:cNvPicPr>
+            <a:picLocks noChangeAspect="1"/>
+          </p:cNvPicPr>
+          <p:nvPr/>
+        </p:nvPicPr>
+        <p:blipFill>
+          <a:blip r:embed="rId2"/>
+          <a:stretch>
+            <a:fillRect/>
+          </a:stretch>
+        </p:blipFill>
+        <p:spPr>
+          <a:xfrm>
+            <a:off x="914400" y="1280160"/>
+            <a:ext cx="7315200" cy="4180114"/>
+          </a:xfrm>
+          <a:prstGeom prst="rect">
+            <a:avLst/>
+          </a:prstGeom>
+        </p:spPr>
+      </p:pic>
+    </p:spTree>
+  </p:cSld>
+  <p:clrMapOvr>
+    <a:masterClrMapping/>
+  </p:clrMapOvr>
+</p:sld>
+</file>
+
+<file path=ppt/slides/slide57.xml><?xml version="1.0" encoding="utf-8"?>
+<p:sld xmlns:a="http://schemas.openxmlformats.org/drawingml/2006/main" xmlns:p="http://schemas.openxmlformats.org/presentationml/2006/main" xmlns:r="http://schemas.openxmlformats.org/officeDocument/2006/relationships">
+  <p:cSld>
+    <p:spTree>
+      <p:nvGrpSpPr>
+        <p:cNvPr id="1" name=""/>
+        <p:cNvGrpSpPr/>
+        <p:nvPr/>
+      </p:nvGrpSpPr>
+      <p:grpSpPr/>
+      <p:sp>
+        <p:nvSpPr>
+          <p:cNvPr id="2" name="TextBox 1"/>
+          <p:cNvSpPr txBox="1"/>
+          <p:nvPr/>
+        </p:nvSpPr>
+        <p:spPr>
+          <a:xfrm>
+            <a:off x="457200" y="365760"/>
+            <a:ext cx="8229600" cy="548640"/>
+          </a:xfrm>
+          <a:prstGeom prst="rect">
+            <a:avLst/>
+          </a:prstGeom>
+          <a:noFill/>
+        </p:spPr>
+        <p:txBody>
+          <a:bodyPr wrap="none">
+            <a:spAutoFit/>
+          </a:bodyPr>
+          <a:lstStyle/>
+          <a:p>
+            <a:pPr>
+              <a:defRPr sz="4000" b="1">
+                <a:solidFill>
+                  <a:srgbClr val="1F4E79"/>
+                </a:solidFill>
+              </a:defRPr>
+            </a:pPr>
+            <a:r>
+              <a:t>Leverage Plot 51</a:t>
+            </a:r>
+          </a:p>
+        </p:txBody>
+      </p:sp>
+      <p:cxnSp>
+        <p:nvCxnSpPr>
+          <p:cNvPr id="3" name="Connector 2"/>
+          <p:cNvCxnSpPr/>
+          <p:nvPr/>
+        </p:nvCxnSpPr>
+        <p:spPr>
+          <a:xfrm>
+            <a:off x="457200" y="1005840"/>
+            <a:ext cx="8229600" cy="0"/>
+          </a:xfrm>
+          <a:prstGeom prst="line">
+            <a:avLst/>
+          </a:prstGeom>
+          <a:ln w="25400">
+            <a:solidFill>
+              <a:srgbClr val="1F4E79"/>
+            </a:solidFill>
+          </a:ln>
+        </p:spPr>
+        <p:style>
+          <a:lnRef idx="2">
+            <a:schemeClr val="accent1"/>
+          </a:lnRef>
+          <a:fillRef idx="0">
+            <a:schemeClr val="accent1"/>
+          </a:fillRef>
+          <a:effectRef idx="1">
+            <a:schemeClr val="accent1"/>
+          </a:effectRef>
+          <a:fontRef idx="minor">
+            <a:schemeClr val="tx1"/>
+          </a:fontRef>
+        </p:style>
+      </p:cxnSp>
+      <p:pic>
+        <p:nvPicPr>
+          <p:cNvPr id="4" name="Picture 3" descr="image.png"/>
+          <p:cNvPicPr>
+            <a:picLocks noChangeAspect="1"/>
+          </p:cNvPicPr>
+          <p:nvPr/>
+        </p:nvPicPr>
+        <p:blipFill>
+          <a:blip r:embed="rId2"/>
+          <a:stretch>
+            <a:fillRect/>
+          </a:stretch>
+        </p:blipFill>
+        <p:spPr>
+          <a:xfrm>
+            <a:off x="914400" y="1280160"/>
+            <a:ext cx="7315200" cy="4180114"/>
+          </a:xfrm>
+          <a:prstGeom prst="rect">
+            <a:avLst/>
+          </a:prstGeom>
+        </p:spPr>
+      </p:pic>
+    </p:spTree>
+  </p:cSld>
+  <p:clrMapOvr>
+    <a:masterClrMapping/>
+  </p:clrMapOvr>
+</p:sld>
+</file>
+
+<file path=ppt/slides/slide6.xml><?xml version="1.0" encoding="utf-8"?>
+<p:sld xmlns:a="http://schemas.openxmlformats.org/drawingml/2006/main" xmlns:p="http://schemas.openxmlformats.org/presentationml/2006/main" xmlns:r="http://schemas.openxmlformats.org/officeDocument/2006/relationships">
+  <p:cSld>
+    <p:spTree>
+      <p:nvGrpSpPr>
+        <p:cNvPr id="1" name=""/>
+        <p:cNvGrpSpPr/>
+        <p:nvPr/>
+      </p:nvGrpSpPr>
+      <p:grpSpPr/>
+      <p:sp>
+        <p:nvSpPr>
+          <p:cNvPr id="2" name="TextBox 1"/>
+          <p:cNvSpPr txBox="1"/>
+          <p:nvPr/>
+        </p:nvSpPr>
+        <p:spPr>
+          <a:xfrm>
+            <a:off x="457200" y="365760"/>
+            <a:ext cx="8229600" cy="548640"/>
+          </a:xfrm>
+          <a:prstGeom prst="rect">
+            <a:avLst/>
+          </a:prstGeom>
+          <a:noFill/>
+        </p:spPr>
+        <p:txBody>
+          <a:bodyPr wrap="none">
+            <a:spAutoFit/>
+          </a:bodyPr>
+          <a:lstStyle/>
+          <a:p>
+            <a:pPr>
+              <a:defRPr sz="4000" b="1">
+                <a:solidFill>
+                  <a:srgbClr val="1F4E79"/>
+                </a:solidFill>
+              </a:defRPr>
+            </a:pPr>
+            <a:r>
+              <a:t>Lack of Fit Test</a:t>
             </a:r>
           </a:p>
         </p:txBody>
@@ -6753,603 +10979,6 @@
 </p:sld>
 </file>
 
-<file path=ppt/slides/slide25.xml><?xml version="1.0" encoding="utf-8"?>
-<p:sld xmlns:a="http://schemas.openxmlformats.org/drawingml/2006/main" xmlns:p="http://schemas.openxmlformats.org/presentationml/2006/main" xmlns:r="http://schemas.openxmlformats.org/officeDocument/2006/relationships">
-  <p:cSld>
-    <p:spTree>
-      <p:nvGrpSpPr>
-        <p:cNvPr id="1" name=""/>
-        <p:cNvGrpSpPr/>
-        <p:nvPr/>
-      </p:nvGrpSpPr>
-      <p:grpSpPr/>
-      <p:sp>
-        <p:nvSpPr>
-          <p:cNvPr id="2" name="TextBox 1"/>
-          <p:cNvSpPr txBox="1"/>
-          <p:nvPr/>
-        </p:nvSpPr>
-        <p:spPr>
-          <a:xfrm>
-            <a:off x="457200" y="365760"/>
-            <a:ext cx="8229600" cy="548640"/>
-          </a:xfrm>
-          <a:prstGeom prst="rect">
-            <a:avLst/>
-          </a:prstGeom>
-          <a:noFill/>
-        </p:spPr>
-        <p:txBody>
-          <a:bodyPr wrap="none">
-            <a:spAutoFit/>
-          </a:bodyPr>
-          <a:lstStyle/>
-          <a:p>
-            <a:pPr>
-              <a:defRPr sz="4000" b="1">
-                <a:solidFill>
-                  <a:srgbClr val="1F4E79"/>
-                </a:solidFill>
-              </a:defRPr>
-            </a:pPr>
-            <a:r>
-              <a:t>Summary</a:t>
-            </a:r>
-          </a:p>
-        </p:txBody>
-      </p:sp>
-      <p:cxnSp>
-        <p:nvCxnSpPr>
-          <p:cNvPr id="3" name="Connector 2"/>
-          <p:cNvCxnSpPr/>
-          <p:nvPr/>
-        </p:nvCxnSpPr>
-        <p:spPr>
-          <a:xfrm>
-            <a:off x="457200" y="1005840"/>
-            <a:ext cx="8229600" cy="0"/>
-          </a:xfrm>
-          <a:prstGeom prst="line">
-            <a:avLst/>
-          </a:prstGeom>
-          <a:ln w="25400">
-            <a:solidFill>
-              <a:srgbClr val="1F4E79"/>
-            </a:solidFill>
-          </a:ln>
-        </p:spPr>
-        <p:style>
-          <a:lnRef idx="2">
-            <a:schemeClr val="accent1"/>
-          </a:lnRef>
-          <a:fillRef idx="0">
-            <a:schemeClr val="accent1"/>
-          </a:fillRef>
-          <a:effectRef idx="1">
-            <a:schemeClr val="accent1"/>
-          </a:effectRef>
-          <a:fontRef idx="minor">
-            <a:schemeClr val="tx1"/>
-          </a:fontRef>
-        </p:style>
-      </p:cxnSp>
-      <p:sp>
-        <p:nvSpPr>
-          <p:cNvPr id="4" name="TextBox 3"/>
-          <p:cNvSpPr txBox="1"/>
-          <p:nvPr/>
-        </p:nvSpPr>
-        <p:spPr>
-          <a:xfrm>
-            <a:off x="640080" y="1280160"/>
-            <a:ext cx="7863840" cy="4754880"/>
-          </a:xfrm>
-          <a:prstGeom prst="rect">
-            <a:avLst/>
-          </a:prstGeom>
-          <a:noFill/>
-        </p:spPr>
-        <p:txBody>
-          <a:bodyPr wrap="square">
-            <a:spAutoFit/>
-          </a:bodyPr>
-          <a:lstStyle/>
-          <a:p>
-            <a:br/>
-            <a:pPr>
-              <a:defRPr sz="1600"/>
-            </a:pPr>
-            <a:r>
-              <a:t>Reduced Model Summary</a:t>
-            </a:r>
-            <a:br/>
-            <a:br/>
-            <a:r>
-              <a:t>• Non-significant parameters removed</a:t>
-            </a:r>
-            <a:br/>
-            <a:r>
-              <a:t>• Model simplification and efficiency</a:t>
-            </a:r>
-            <a:br/>
-            <a:r>
-              <a:t>• Maintained predictive accuracy</a:t>
-            </a:r>
-            <a:br/>
-            <a:r>
-              <a:t>• Reduced from 820 to 451 parameters</a:t>
-            </a:r>
-            <a:br/>
-            <a:r>
-              <a:t>• Improved model interpretability</a:t>
-            </a:r>
-            <a:br/>
-            <a:r>
-              <a:t>• Validation through LOF testing</a:t>
-            </a:r>
-            <a:br/>
-            <a:r>
-              <a:t>        </a:t>
-            </a:r>
-          </a:p>
-        </p:txBody>
-      </p:sp>
-    </p:spTree>
-  </p:cSld>
-  <p:clrMapOvr>
-    <a:masterClrMapping/>
-  </p:clrMapOvr>
-</p:sld>
-</file>
-
-<file path=ppt/slides/slide3.xml><?xml version="1.0" encoding="utf-8"?>
-<p:sld xmlns:a="http://schemas.openxmlformats.org/drawingml/2006/main" xmlns:p="http://schemas.openxmlformats.org/presentationml/2006/main" xmlns:r="http://schemas.openxmlformats.org/officeDocument/2006/relationships">
-  <p:cSld>
-    <p:spTree>
-      <p:nvGrpSpPr>
-        <p:cNvPr id="1" name=""/>
-        <p:cNvGrpSpPr/>
-        <p:nvPr/>
-      </p:nvGrpSpPr>
-      <p:grpSpPr/>
-      <p:sp>
-        <p:nvSpPr>
-          <p:cNvPr id="2" name="TextBox 1"/>
-          <p:cNvSpPr txBox="1"/>
-          <p:nvPr/>
-        </p:nvSpPr>
-        <p:spPr>
-          <a:xfrm>
-            <a:off x="457200" y="365760"/>
-            <a:ext cx="8229600" cy="548640"/>
-          </a:xfrm>
-          <a:prstGeom prst="rect">
-            <a:avLst/>
-          </a:prstGeom>
-          <a:noFill/>
-        </p:spPr>
-        <p:txBody>
-          <a:bodyPr wrap="none">
-            <a:spAutoFit/>
-          </a:bodyPr>
-          <a:lstStyle/>
-          <a:p>
-            <a:pPr>
-              <a:defRPr sz="4000" b="1">
-                <a:solidFill>
-                  <a:srgbClr val="1F4E79"/>
-                </a:solidFill>
-              </a:defRPr>
-            </a:pPr>
-            <a:r>
-              <a:t>Analysis Chart 2</a:t>
-            </a:r>
-          </a:p>
-        </p:txBody>
-      </p:sp>
-      <p:cxnSp>
-        <p:nvCxnSpPr>
-          <p:cNvPr id="3" name="Connector 2"/>
-          <p:cNvCxnSpPr/>
-          <p:nvPr/>
-        </p:nvCxnSpPr>
-        <p:spPr>
-          <a:xfrm>
-            <a:off x="457200" y="1005840"/>
-            <a:ext cx="8229600" cy="0"/>
-          </a:xfrm>
-          <a:prstGeom prst="line">
-            <a:avLst/>
-          </a:prstGeom>
-          <a:ln w="25400">
-            <a:solidFill>
-              <a:srgbClr val="1F4E79"/>
-            </a:solidFill>
-          </a:ln>
-        </p:spPr>
-        <p:style>
-          <a:lnRef idx="2">
-            <a:schemeClr val="accent1"/>
-          </a:lnRef>
-          <a:fillRef idx="0">
-            <a:schemeClr val="accent1"/>
-          </a:fillRef>
-          <a:effectRef idx="1">
-            <a:schemeClr val="accent1"/>
-          </a:effectRef>
-          <a:fontRef idx="minor">
-            <a:schemeClr val="tx1"/>
-          </a:fontRef>
-        </p:style>
-      </p:cxnSp>
-      <p:pic>
-        <p:nvPicPr>
-          <p:cNvPr id="4" name="Picture 3" descr="image.png"/>
-          <p:cNvPicPr>
-            <a:picLocks noChangeAspect="1"/>
-          </p:cNvPicPr>
-          <p:nvPr/>
-        </p:nvPicPr>
-        <p:blipFill>
-          <a:blip r:embed="rId2"/>
-          <a:stretch>
-            <a:fillRect/>
-          </a:stretch>
-        </p:blipFill>
-        <p:spPr>
-          <a:xfrm>
-            <a:off x="914400" y="1280160"/>
-            <a:ext cx="7315200" cy="4180114"/>
-          </a:xfrm>
-          <a:prstGeom prst="rect">
-            <a:avLst/>
-          </a:prstGeom>
-        </p:spPr>
-      </p:pic>
-    </p:spTree>
-  </p:cSld>
-  <p:clrMapOvr>
-    <a:masterClrMapping/>
-  </p:clrMapOvr>
-</p:sld>
-</file>
-
-<file path=ppt/slides/slide4.xml><?xml version="1.0" encoding="utf-8"?>
-<p:sld xmlns:a="http://schemas.openxmlformats.org/drawingml/2006/main" xmlns:p="http://schemas.openxmlformats.org/presentationml/2006/main" xmlns:r="http://schemas.openxmlformats.org/officeDocument/2006/relationships">
-  <p:cSld>
-    <p:spTree>
-      <p:nvGrpSpPr>
-        <p:cNvPr id="1" name=""/>
-        <p:cNvGrpSpPr/>
-        <p:nvPr/>
-      </p:nvGrpSpPr>
-      <p:grpSpPr/>
-      <p:sp>
-        <p:nvSpPr>
-          <p:cNvPr id="2" name="TextBox 1"/>
-          <p:cNvSpPr txBox="1"/>
-          <p:nvPr/>
-        </p:nvSpPr>
-        <p:spPr>
-          <a:xfrm>
-            <a:off x="457200" y="365760"/>
-            <a:ext cx="8229600" cy="548640"/>
-          </a:xfrm>
-          <a:prstGeom prst="rect">
-            <a:avLst/>
-          </a:prstGeom>
-          <a:noFill/>
-        </p:spPr>
-        <p:txBody>
-          <a:bodyPr wrap="none">
-            <a:spAutoFit/>
-          </a:bodyPr>
-          <a:lstStyle/>
-          <a:p>
-            <a:pPr>
-              <a:defRPr sz="4000" b="1">
-                <a:solidFill>
-                  <a:srgbClr val="1F4E79"/>
-                </a:solidFill>
-              </a:defRPr>
-            </a:pPr>
-            <a:r>
-              <a:t>Analysis Chart 3</a:t>
-            </a:r>
-          </a:p>
-        </p:txBody>
-      </p:sp>
-      <p:cxnSp>
-        <p:nvCxnSpPr>
-          <p:cNvPr id="3" name="Connector 2"/>
-          <p:cNvCxnSpPr/>
-          <p:nvPr/>
-        </p:nvCxnSpPr>
-        <p:spPr>
-          <a:xfrm>
-            <a:off x="457200" y="1005840"/>
-            <a:ext cx="8229600" cy="0"/>
-          </a:xfrm>
-          <a:prstGeom prst="line">
-            <a:avLst/>
-          </a:prstGeom>
-          <a:ln w="25400">
-            <a:solidFill>
-              <a:srgbClr val="1F4E79"/>
-            </a:solidFill>
-          </a:ln>
-        </p:spPr>
-        <p:style>
-          <a:lnRef idx="2">
-            <a:schemeClr val="accent1"/>
-          </a:lnRef>
-          <a:fillRef idx="0">
-            <a:schemeClr val="accent1"/>
-          </a:fillRef>
-          <a:effectRef idx="1">
-            <a:schemeClr val="accent1"/>
-          </a:effectRef>
-          <a:fontRef idx="minor">
-            <a:schemeClr val="tx1"/>
-          </a:fontRef>
-        </p:style>
-      </p:cxnSp>
-      <p:pic>
-        <p:nvPicPr>
-          <p:cNvPr id="4" name="Picture 3" descr="image.png"/>
-          <p:cNvPicPr>
-            <a:picLocks noChangeAspect="1"/>
-          </p:cNvPicPr>
-          <p:nvPr/>
-        </p:nvPicPr>
-        <p:blipFill>
-          <a:blip r:embed="rId2"/>
-          <a:stretch>
-            <a:fillRect/>
-          </a:stretch>
-        </p:blipFill>
-        <p:spPr>
-          <a:xfrm>
-            <a:off x="914400" y="1280160"/>
-            <a:ext cx="7315200" cy="4180114"/>
-          </a:xfrm>
-          <a:prstGeom prst="rect">
-            <a:avLst/>
-          </a:prstGeom>
-        </p:spPr>
-      </p:pic>
-    </p:spTree>
-  </p:cSld>
-  <p:clrMapOvr>
-    <a:masterClrMapping/>
-  </p:clrMapOvr>
-</p:sld>
-</file>
-
-<file path=ppt/slides/slide5.xml><?xml version="1.0" encoding="utf-8"?>
-<p:sld xmlns:a="http://schemas.openxmlformats.org/drawingml/2006/main" xmlns:p="http://schemas.openxmlformats.org/presentationml/2006/main" xmlns:r="http://schemas.openxmlformats.org/officeDocument/2006/relationships">
-  <p:cSld>
-    <p:spTree>
-      <p:nvGrpSpPr>
-        <p:cNvPr id="1" name=""/>
-        <p:cNvGrpSpPr/>
-        <p:nvPr/>
-      </p:nvGrpSpPr>
-      <p:grpSpPr/>
-      <p:sp>
-        <p:nvSpPr>
-          <p:cNvPr id="2" name="TextBox 1"/>
-          <p:cNvSpPr txBox="1"/>
-          <p:nvPr/>
-        </p:nvSpPr>
-        <p:spPr>
-          <a:xfrm>
-            <a:off x="457200" y="365760"/>
-            <a:ext cx="8229600" cy="548640"/>
-          </a:xfrm>
-          <a:prstGeom prst="rect">
-            <a:avLst/>
-          </a:prstGeom>
-          <a:noFill/>
-        </p:spPr>
-        <p:txBody>
-          <a:bodyPr wrap="none">
-            <a:spAutoFit/>
-          </a:bodyPr>
-          <a:lstStyle/>
-          <a:p>
-            <a:pPr>
-              <a:defRPr sz="4000" b="1">
-                <a:solidFill>
-                  <a:srgbClr val="1F4E79"/>
-                </a:solidFill>
-              </a:defRPr>
-            </a:pPr>
-            <a:r>
-              <a:t>Analysis Chart 4</a:t>
-            </a:r>
-          </a:p>
-        </p:txBody>
-      </p:sp>
-      <p:cxnSp>
-        <p:nvCxnSpPr>
-          <p:cNvPr id="3" name="Connector 2"/>
-          <p:cNvCxnSpPr/>
-          <p:nvPr/>
-        </p:nvCxnSpPr>
-        <p:spPr>
-          <a:xfrm>
-            <a:off x="457200" y="1005840"/>
-            <a:ext cx="8229600" cy="0"/>
-          </a:xfrm>
-          <a:prstGeom prst="line">
-            <a:avLst/>
-          </a:prstGeom>
-          <a:ln w="25400">
-            <a:solidFill>
-              <a:srgbClr val="1F4E79"/>
-            </a:solidFill>
-          </a:ln>
-        </p:spPr>
-        <p:style>
-          <a:lnRef idx="2">
-            <a:schemeClr val="accent1"/>
-          </a:lnRef>
-          <a:fillRef idx="0">
-            <a:schemeClr val="accent1"/>
-          </a:fillRef>
-          <a:effectRef idx="1">
-            <a:schemeClr val="accent1"/>
-          </a:effectRef>
-          <a:fontRef idx="minor">
-            <a:schemeClr val="tx1"/>
-          </a:fontRef>
-        </p:style>
-      </p:cxnSp>
-      <p:pic>
-        <p:nvPicPr>
-          <p:cNvPr id="4" name="Picture 3" descr="image.png"/>
-          <p:cNvPicPr>
-            <a:picLocks noChangeAspect="1"/>
-          </p:cNvPicPr>
-          <p:nvPr/>
-        </p:nvPicPr>
-        <p:blipFill>
-          <a:blip r:embed="rId2"/>
-          <a:stretch>
-            <a:fillRect/>
-          </a:stretch>
-        </p:blipFill>
-        <p:spPr>
-          <a:xfrm>
-            <a:off x="914400" y="1280160"/>
-            <a:ext cx="7315200" cy="4180114"/>
-          </a:xfrm>
-          <a:prstGeom prst="rect">
-            <a:avLst/>
-          </a:prstGeom>
-        </p:spPr>
-      </p:pic>
-    </p:spTree>
-  </p:cSld>
-  <p:clrMapOvr>
-    <a:masterClrMapping/>
-  </p:clrMapOvr>
-</p:sld>
-</file>
-
-<file path=ppt/slides/slide6.xml><?xml version="1.0" encoding="utf-8"?>
-<p:sld xmlns:a="http://schemas.openxmlformats.org/drawingml/2006/main" xmlns:p="http://schemas.openxmlformats.org/presentationml/2006/main" xmlns:r="http://schemas.openxmlformats.org/officeDocument/2006/relationships">
-  <p:cSld>
-    <p:spTree>
-      <p:nvGrpSpPr>
-        <p:cNvPr id="1" name=""/>
-        <p:cNvGrpSpPr/>
-        <p:nvPr/>
-      </p:nvGrpSpPr>
-      <p:grpSpPr/>
-      <p:sp>
-        <p:nvSpPr>
-          <p:cNvPr id="2" name="TextBox 1"/>
-          <p:cNvSpPr txBox="1"/>
-          <p:nvPr/>
-        </p:nvSpPr>
-        <p:spPr>
-          <a:xfrm>
-            <a:off x="457200" y="365760"/>
-            <a:ext cx="8229600" cy="548640"/>
-          </a:xfrm>
-          <a:prstGeom prst="rect">
-            <a:avLst/>
-          </a:prstGeom>
-          <a:noFill/>
-        </p:spPr>
-        <p:txBody>
-          <a:bodyPr wrap="none">
-            <a:spAutoFit/>
-          </a:bodyPr>
-          <a:lstStyle/>
-          <a:p>
-            <a:pPr>
-              <a:defRPr sz="4000" b="1">
-                <a:solidFill>
-                  <a:srgbClr val="1F4E79"/>
-                </a:solidFill>
-              </a:defRPr>
-            </a:pPr>
-            <a:r>
-              <a:t>Analysis Chart 5</a:t>
-            </a:r>
-          </a:p>
-        </p:txBody>
-      </p:sp>
-      <p:cxnSp>
-        <p:nvCxnSpPr>
-          <p:cNvPr id="3" name="Connector 2"/>
-          <p:cNvCxnSpPr/>
-          <p:nvPr/>
-        </p:nvCxnSpPr>
-        <p:spPr>
-          <a:xfrm>
-            <a:off x="457200" y="1005840"/>
-            <a:ext cx="8229600" cy="0"/>
-          </a:xfrm>
-          <a:prstGeom prst="line">
-            <a:avLst/>
-          </a:prstGeom>
-          <a:ln w="25400">
-            <a:solidFill>
-              <a:srgbClr val="1F4E79"/>
-            </a:solidFill>
-          </a:ln>
-        </p:spPr>
-        <p:style>
-          <a:lnRef idx="2">
-            <a:schemeClr val="accent1"/>
-          </a:lnRef>
-          <a:fillRef idx="0">
-            <a:schemeClr val="accent1"/>
-          </a:fillRef>
-          <a:effectRef idx="1">
-            <a:schemeClr val="accent1"/>
-          </a:effectRef>
-          <a:fontRef idx="minor">
-            <a:schemeClr val="tx1"/>
-          </a:fontRef>
-        </p:style>
-      </p:cxnSp>
-      <p:pic>
-        <p:nvPicPr>
-          <p:cNvPr id="4" name="Picture 3" descr="image.png"/>
-          <p:cNvPicPr>
-            <a:picLocks noChangeAspect="1"/>
-          </p:cNvPicPr>
-          <p:nvPr/>
-        </p:nvPicPr>
-        <p:blipFill>
-          <a:blip r:embed="rId2"/>
-          <a:stretch>
-            <a:fillRect/>
-          </a:stretch>
-        </p:blipFill>
-        <p:spPr>
-          <a:xfrm>
-            <a:off x="914400" y="1280160"/>
-            <a:ext cx="7315200" cy="4180114"/>
-          </a:xfrm>
-          <a:prstGeom prst="rect">
-            <a:avLst/>
-          </a:prstGeom>
-        </p:spPr>
-      </p:pic>
-    </p:spTree>
-  </p:cSld>
-  <p:clrMapOvr>
-    <a:masterClrMapping/>
-  </p:clrMapOvr>
-</p:sld>
-</file>
-
 <file path=ppt/slides/slide7.xml><?xml version="1.0" encoding="utf-8"?>
 <p:sld xmlns:a="http://schemas.openxmlformats.org/drawingml/2006/main" xmlns:p="http://schemas.openxmlformats.org/presentationml/2006/main" xmlns:r="http://schemas.openxmlformats.org/officeDocument/2006/relationships">
   <p:cSld>
@@ -7390,7 +11019,7 @@
               </a:defRPr>
             </a:pPr>
             <a:r>
-              <a:t>Analysis Chart 6</a:t>
+              <a:t>Leverage Plot 1</a:t>
             </a:r>
           </a:p>
         </p:txBody>
@@ -7502,7 +11131,7 @@
               </a:defRPr>
             </a:pPr>
             <a:r>
-              <a:t>Analysis Chart 7</a:t>
+              <a:t>Leverage Plot 2</a:t>
             </a:r>
           </a:p>
         </p:txBody>
@@ -7614,7 +11243,7 @@
               </a:defRPr>
             </a:pPr>
             <a:r>
-              <a:t>Analysis Chart 8</a:t>
+              <a:t>Leverage Plot 3</a:t>
             </a:r>
           </a:p>
         </p:txBody>

--- a/outputs/doe_analysis_reduced.pptx
+++ b/outputs/doe_analysis_reduced.pptx
@@ -4447,7 +4447,7 @@
         <p:spPr>
           <a:xfrm>
             <a:off x="914400" y="1280160"/>
-            <a:ext cx="7315200" cy="4180114"/>
+            <a:ext cx="7315200" cy="5486400"/>
           </a:xfrm>
           <a:prstGeom prst="rect">
             <a:avLst/>

--- a/outputs/doe_analysis_reduced.pptx
+++ b/outputs/doe_analysis_reduced.pptx
@@ -5670,8 +5670,8 @@
         </p:nvSpPr>
         <p:spPr>
           <a:xfrm>
-            <a:off x="640080" y="1280160"/>
-            <a:ext cx="7863840" cy="4754880"/>
+            <a:off x="640080" y="1371600"/>
+            <a:ext cx="7863840" cy="1371600"/>
           </a:xfrm>
           <a:prstGeom prst="rect">
             <a:avLst/>
@@ -5684,54 +5684,133 @@
           </a:bodyPr>
           <a:lstStyle/>
           <a:p>
+            <a:pPr algn="ctr">
+              <a:defRPr sz="3200" b="1">
+                <a:solidFill>
+                  <a:srgbClr val="C00000"/>
+                </a:solidFill>
+              </a:defRPr>
+            </a:pPr>
+            <a:r>
+              <a:t>Interface_Temp = β₀ + Σ(β_i × Factor_i) + ε</a:t>
+            </a:r>
+          </a:p>
+        </p:txBody>
+      </p:sp>
+      <p:sp>
+        <p:nvSpPr>
+          <p:cNvPr id="5" name="TextBox 4"/>
+          <p:cNvSpPr txBox="1"/>
+          <p:nvPr/>
+        </p:nvSpPr>
+        <p:spPr>
+          <a:xfrm>
+            <a:off x="640080" y="2926080"/>
+            <a:ext cx="7863840" cy="2286000"/>
+          </a:xfrm>
+          <a:prstGeom prst="rect">
+            <a:avLst/>
+          </a:prstGeom>
+          <a:noFill/>
+        </p:spPr>
+        <p:txBody>
+          <a:bodyPr wrap="square">
+            <a:spAutoFit/>
+          </a:bodyPr>
+          <a:lstStyle/>
+          <a:p>
             <a:pPr>
-              <a:defRPr sz="1600"/>
+              <a:defRPr sz="1800">
+                <a:solidFill>
+                  <a:srgbClr val="323232"/>
+                </a:solidFill>
+              </a:defRPr>
             </a:pPr>
             <a:r>
-              <a:t>Model Equation (Reduced):</a:t>
-            </a:r>
-            <a:br/>
-            <a:br/>
-            <a:r>
-              <a:t>Interface_Temp = β₀ + Σ(β_i × Factor_i) + ε</a:t>
-            </a:r>
-            <a:br/>
-            <a:br/>
-            <a:r>
               <a:t>Where:</a:t>
             </a:r>
-            <a:br/>
+          </a:p>
+          <a:p>
+            <a:pPr>
+              <a:defRPr sz="1800">
+                <a:solidFill>
+                  <a:srgbClr val="323232"/>
+                </a:solidFill>
+              </a:defRPr>
+            </a:pPr>
             <a:r>
               <a:t>• β₀ = Intercept</a:t>
             </a:r>
-            <a:br/>
-            <a:r>
-              <a:t>• β_i = Parameter coefficients (non-significant terms removed)</a:t>
-            </a:r>
-            <a:br/>
+          </a:p>
+          <a:p>
+            <a:pPr>
+              <a:defRPr sz="1800">
+                <a:solidFill>
+                  <a:srgbClr val="323232"/>
+                </a:solidFill>
+              </a:defRPr>
+            </a:pPr>
+            <a:r>
+              <a:t>• β_i = Parameter coefficients</a:t>
+            </a:r>
+          </a:p>
+          <a:p>
+            <a:pPr>
+              <a:defRPr sz="1800">
+                <a:solidFill>
+                  <a:srgbClr val="323232"/>
+                </a:solidFill>
+              </a:defRPr>
+            </a:pPr>
             <a:r>
               <a:t>• Factor_i = Design factors (Transceiver, Fan Speed, Rack Unit)</a:t>
             </a:r>
-            <a:br/>
+          </a:p>
+          <a:p>
+            <a:pPr>
+              <a:defRPr sz="1800">
+                <a:solidFill>
+                  <a:srgbClr val="323232"/>
+                </a:solidFill>
+              </a:defRPr>
+            </a:pPr>
             <a:r>
               <a:t>• ε = Random error term</a:t>
             </a:r>
-            <a:br/>
-            <a:br/>
-            <a:r>
-              <a:t>Reduced Model: 451 parameters (-45% from full model)</a:t>
-            </a:r>
-            <a:br/>
-            <a:r>
-              <a:t>Model Type: Multiple Linear Regression</a:t>
-            </a:r>
-            <a:br/>
-            <a:r>
-              <a:t>Response Variable: Interface_Temp</a:t>
-            </a:r>
-            <a:br/>
-            <a:r>
-              <a:t>        </a:t>
+          </a:p>
+        </p:txBody>
+      </p:sp>
+      <p:sp>
+        <p:nvSpPr>
+          <p:cNvPr id="6" name="TextBox 5"/>
+          <p:cNvSpPr txBox="1"/>
+          <p:nvPr/>
+        </p:nvSpPr>
+        <p:spPr>
+          <a:xfrm>
+            <a:off x="640080" y="5394960"/>
+            <a:ext cx="7863840" cy="1097280"/>
+          </a:xfrm>
+          <a:prstGeom prst="rect">
+            <a:avLst/>
+          </a:prstGeom>
+          <a:noFill/>
+        </p:spPr>
+        <p:txBody>
+          <a:bodyPr wrap="square">
+            <a:spAutoFit/>
+          </a:bodyPr>
+          <a:lstStyle/>
+          <a:p>
+            <a:pPr algn="ctr">
+              <a:defRPr sz="1400">
+                <a:solidFill>
+                  <a:srgbClr val="646464"/>
+                </a:solidFill>
+              </a:defRPr>
+            </a:pPr>
+            <a:r>
+              <a:t>Reduced Model: 451 parameters (-45%) | Model Type: Multiple Linear Regression | Response: Interface_Temp</a:t>
             </a:r>
           </a:p>
         </p:txBody>

--- a/outputs/doe_analysis_reduced.pptx
+++ b/outputs/doe_analysis_reduced.pptx
@@ -4447,7 +4447,7 @@
         <p:spPr>
           <a:xfrm>
             <a:off x="914400" y="1280160"/>
-            <a:ext cx="7315200" cy="5486400"/>
+            <a:ext cx="7315200" cy="5689600"/>
           </a:xfrm>
           <a:prstGeom prst="rect">
             <a:avLst/>

--- a/outputs/doe_analysis_reduced.pptx
+++ b/outputs/doe_analysis_reduced.pptx
@@ -4447,7 +4447,7 @@
         <p:spPr>
           <a:xfrm>
             <a:off x="914400" y="1280160"/>
-            <a:ext cx="7315200" cy="5689600"/>
+            <a:ext cx="7315200" cy="3657600"/>
           </a:xfrm>
           <a:prstGeom prst="rect">
             <a:avLst/>

--- a/outputs/doe_analysis_reduced.pptx
+++ b/outputs/doe_analysis_reduced.pptx
@@ -62,6 +62,8 @@
     <p:sldId id="310" r:id="rId61"/>
     <p:sldId id="311" r:id="rId62"/>
     <p:sldId id="312" r:id="rId63"/>
+    <p:sldId id="313" r:id="rId64"/>
+    <p:sldId id="314" r:id="rId65"/>
   </p:sldIdLst>
   <p:sldSz cx="9144000" cy="6858000" type="screen4x3"/>
   <p:notesSz cx="6858000" cy="9144000"/>
@@ -3270,7 +3272,7 @@
               </a:defRPr>
             </a:pPr>
             <a:r>
-              <a:t>Leverage Plot 4</a:t>
+              <a:t>Leverage Plot 2</a:t>
             </a:r>
           </a:p>
         </p:txBody>
@@ -3382,7 +3384,7 @@
               </a:defRPr>
             </a:pPr>
             <a:r>
-              <a:t>Leverage Plot 5</a:t>
+              <a:t>Leverage Plot 3</a:t>
             </a:r>
           </a:p>
         </p:txBody>
@@ -3494,7 +3496,7 @@
               </a:defRPr>
             </a:pPr>
             <a:r>
-              <a:t>Leverage Plot 6</a:t>
+              <a:t>Leverage Plot 4</a:t>
             </a:r>
           </a:p>
         </p:txBody>
@@ -3606,7 +3608,7 @@
               </a:defRPr>
             </a:pPr>
             <a:r>
-              <a:t>Leverage Plot 7</a:t>
+              <a:t>Leverage Plot 5</a:t>
             </a:r>
           </a:p>
         </p:txBody>
@@ -3718,7 +3720,7 @@
               </a:defRPr>
             </a:pPr>
             <a:r>
-              <a:t>Leverage Plot 8</a:t>
+              <a:t>Leverage Plot 6</a:t>
             </a:r>
           </a:p>
         </p:txBody>
@@ -3830,7 +3832,7 @@
               </a:defRPr>
             </a:pPr>
             <a:r>
-              <a:t>Leverage Plot 9</a:t>
+              <a:t>Leverage Plot 7</a:t>
             </a:r>
           </a:p>
         </p:txBody>
@@ -3942,7 +3944,7 @@
               </a:defRPr>
             </a:pPr>
             <a:r>
-              <a:t>Leverage Plot 10</a:t>
+              <a:t>Leverage Plot 8</a:t>
             </a:r>
           </a:p>
         </p:txBody>
@@ -4054,7 +4056,7 @@
               </a:defRPr>
             </a:pPr>
             <a:r>
-              <a:t>Leverage Plot 11</a:t>
+              <a:t>Leverage Plot 9</a:t>
             </a:r>
           </a:p>
         </p:txBody>
@@ -4166,7 +4168,7 @@
               </a:defRPr>
             </a:pPr>
             <a:r>
-              <a:t>Leverage Plot 12</a:t>
+              <a:t>Leverage Plot 10</a:t>
             </a:r>
           </a:p>
         </p:txBody>
@@ -4278,7 +4280,7 @@
               </a:defRPr>
             </a:pPr>
             <a:r>
-              <a:t>Leverage Plot 13</a:t>
+              <a:t>Leverage Plot 11</a:t>
             </a:r>
           </a:p>
         </p:txBody>
@@ -4502,7 +4504,7 @@
               </a:defRPr>
             </a:pPr>
             <a:r>
-              <a:t>Leverage Plot 14</a:t>
+              <a:t>Leverage Plot 12</a:t>
             </a:r>
           </a:p>
         </p:txBody>
@@ -4614,7 +4616,7 @@
               </a:defRPr>
             </a:pPr>
             <a:r>
-              <a:t>Leverage Plot 15</a:t>
+              <a:t>Leverage Plot 13</a:t>
             </a:r>
           </a:p>
         </p:txBody>
@@ -4726,7 +4728,7 @@
               </a:defRPr>
             </a:pPr>
             <a:r>
-              <a:t>Leverage Plot 16</a:t>
+              <a:t>Leverage Plot 14</a:t>
             </a:r>
           </a:p>
         </p:txBody>
@@ -4838,7 +4840,7 @@
               </a:defRPr>
             </a:pPr>
             <a:r>
-              <a:t>Leverage Plot 17</a:t>
+              <a:t>Leverage Plot 15</a:t>
             </a:r>
           </a:p>
         </p:txBody>
@@ -4950,7 +4952,7 @@
               </a:defRPr>
             </a:pPr>
             <a:r>
-              <a:t>Leverage Plot 18</a:t>
+              <a:t>Leverage Plot 16</a:t>
             </a:r>
           </a:p>
         </p:txBody>
@@ -5062,7 +5064,7 @@
               </a:defRPr>
             </a:pPr>
             <a:r>
-              <a:t>Leverage Plot 19</a:t>
+              <a:t>Leverage Plot 17</a:t>
             </a:r>
           </a:p>
         </p:txBody>
@@ -5174,7 +5176,7 @@
               </a:defRPr>
             </a:pPr>
             <a:r>
-              <a:t>Leverage Plot 20</a:t>
+              <a:t>Leverage Plot 18</a:t>
             </a:r>
           </a:p>
         </p:txBody>
@@ -5286,7 +5288,7 @@
               </a:defRPr>
             </a:pPr>
             <a:r>
-              <a:t>Leverage Plot 21</a:t>
+              <a:t>Leverage Plot 19</a:t>
             </a:r>
           </a:p>
         </p:txBody>
@@ -5398,7 +5400,7 @@
               </a:defRPr>
             </a:pPr>
             <a:r>
-              <a:t>Leverage Plot 22</a:t>
+              <a:t>Leverage Plot 20</a:t>
             </a:r>
           </a:p>
         </p:txBody>
@@ -5510,7 +5512,7 @@
               </a:defRPr>
             </a:pPr>
             <a:r>
-              <a:t>Leverage Plot 23</a:t>
+              <a:t>Leverage Plot 21</a:t>
             </a:r>
           </a:p>
         </p:txBody>
@@ -5863,7 +5865,7 @@
               </a:defRPr>
             </a:pPr>
             <a:r>
-              <a:t>Leverage Plot 24</a:t>
+              <a:t>Leverage Plot 22</a:t>
             </a:r>
           </a:p>
         </p:txBody>
@@ -5975,7 +5977,7 @@
               </a:defRPr>
             </a:pPr>
             <a:r>
-              <a:t>Leverage Plot 25</a:t>
+              <a:t>Leverage Plot 23</a:t>
             </a:r>
           </a:p>
         </p:txBody>
@@ -6087,7 +6089,7 @@
               </a:defRPr>
             </a:pPr>
             <a:r>
-              <a:t>Leverage Plot 26</a:t>
+              <a:t>Leverage Plot 24</a:t>
             </a:r>
           </a:p>
         </p:txBody>
@@ -6199,7 +6201,7 @@
               </a:defRPr>
             </a:pPr>
             <a:r>
-              <a:t>Leverage Plot 27</a:t>
+              <a:t>Leverage Plot 25</a:t>
             </a:r>
           </a:p>
         </p:txBody>
@@ -6311,7 +6313,7 @@
               </a:defRPr>
             </a:pPr>
             <a:r>
-              <a:t>Leverage Plot 28</a:t>
+              <a:t>Leverage Plot 26</a:t>
             </a:r>
           </a:p>
         </p:txBody>
@@ -6423,7 +6425,7 @@
               </a:defRPr>
             </a:pPr>
             <a:r>
-              <a:t>Leverage Plot 29</a:t>
+              <a:t>Leverage Plot 27</a:t>
             </a:r>
           </a:p>
         </p:txBody>
@@ -6535,7 +6537,7 @@
               </a:defRPr>
             </a:pPr>
             <a:r>
-              <a:t>Leverage Plot 30</a:t>
+              <a:t>Leverage Plot 28</a:t>
             </a:r>
           </a:p>
         </p:txBody>
@@ -6647,7 +6649,7 @@
               </a:defRPr>
             </a:pPr>
             <a:r>
-              <a:t>Leverage Plot 31</a:t>
+              <a:t>Leverage Plot 29</a:t>
             </a:r>
           </a:p>
         </p:txBody>
@@ -6759,7 +6761,7 @@
               </a:defRPr>
             </a:pPr>
             <a:r>
-              <a:t>Leverage Plot 32</a:t>
+              <a:t>Leverage Plot 30</a:t>
             </a:r>
           </a:p>
         </p:txBody>
@@ -6871,7 +6873,7 @@
               </a:defRPr>
             </a:pPr>
             <a:r>
-              <a:t>Leverage Plot 33</a:t>
+              <a:t>Leverage Plot 31</a:t>
             </a:r>
           </a:p>
         </p:txBody>
@@ -7681,7 +7683,7 @@
               </a:defRPr>
             </a:pPr>
             <a:r>
-              <a:t>Leverage Plot 34</a:t>
+              <a:t>Leverage Plot 32</a:t>
             </a:r>
           </a:p>
         </p:txBody>
@@ -7793,7 +7795,7 @@
               </a:defRPr>
             </a:pPr>
             <a:r>
-              <a:t>Leverage Plot 35</a:t>
+              <a:t>Leverage Plot 33</a:t>
             </a:r>
           </a:p>
         </p:txBody>
@@ -7905,7 +7907,7 @@
               </a:defRPr>
             </a:pPr>
             <a:r>
-              <a:t>Leverage Plot 36</a:t>
+              <a:t>Leverage Plot 34</a:t>
             </a:r>
           </a:p>
         </p:txBody>
@@ -8017,7 +8019,7 @@
               </a:defRPr>
             </a:pPr>
             <a:r>
-              <a:t>Leverage Plot 37</a:t>
+              <a:t>Leverage Plot 35</a:t>
             </a:r>
           </a:p>
         </p:txBody>
@@ -8129,7 +8131,7 @@
               </a:defRPr>
             </a:pPr>
             <a:r>
-              <a:t>Leverage Plot 38</a:t>
+              <a:t>Leverage Plot 36</a:t>
             </a:r>
           </a:p>
         </p:txBody>
@@ -8241,7 +8243,7 @@
               </a:defRPr>
             </a:pPr>
             <a:r>
-              <a:t>Leverage Plot 39</a:t>
+              <a:t>Leverage Plot 37</a:t>
             </a:r>
           </a:p>
         </p:txBody>
@@ -8353,7 +8355,7 @@
               </a:defRPr>
             </a:pPr>
             <a:r>
-              <a:t>Leverage Plot 40</a:t>
+              <a:t>Leverage Plot 38</a:t>
             </a:r>
           </a:p>
         </p:txBody>
@@ -8465,7 +8467,7 @@
               </a:defRPr>
             </a:pPr>
             <a:r>
-              <a:t>Leverage Plot 41</a:t>
+              <a:t>Leverage Plot 39</a:t>
             </a:r>
           </a:p>
         </p:txBody>
@@ -8577,7 +8579,7 @@
               </a:defRPr>
             </a:pPr>
             <a:r>
-              <a:t>Leverage Plot 42</a:t>
+              <a:t>Leverage Plot 40</a:t>
             </a:r>
           </a:p>
         </p:txBody>
@@ -8689,7 +8691,7 @@
               </a:defRPr>
             </a:pPr>
             <a:r>
-              <a:t>Leverage Plot 43</a:t>
+              <a:t>Leverage Plot 41</a:t>
             </a:r>
           </a:p>
         </p:txBody>
@@ -9599,7 +9601,7 @@
               </a:defRPr>
             </a:pPr>
             <a:r>
-              <a:t>Leverage Plot 44</a:t>
+              <a:t>Leverage Plot 42</a:t>
             </a:r>
           </a:p>
         </p:txBody>
@@ -9711,7 +9713,7 @@
               </a:defRPr>
             </a:pPr>
             <a:r>
-              <a:t>Leverage Plot 45</a:t>
+              <a:t>Leverage Plot 43</a:t>
             </a:r>
           </a:p>
         </p:txBody>
@@ -9823,7 +9825,7 @@
               </a:defRPr>
             </a:pPr>
             <a:r>
-              <a:t>Leverage Plot 46</a:t>
+              <a:t>Leverage Plot 44</a:t>
             </a:r>
           </a:p>
         </p:txBody>
@@ -9935,7 +9937,7 @@
               </a:defRPr>
             </a:pPr>
             <a:r>
-              <a:t>Leverage Plot 47</a:t>
+              <a:t>Leverage Plot 45</a:t>
             </a:r>
           </a:p>
         </p:txBody>
@@ -10047,7 +10049,7 @@
               </a:defRPr>
             </a:pPr>
             <a:r>
-              <a:t>Leverage Plot 48</a:t>
+              <a:t>Leverage Plot 46</a:t>
             </a:r>
           </a:p>
         </p:txBody>
@@ -10159,7 +10161,7 @@
               </a:defRPr>
             </a:pPr>
             <a:r>
-              <a:t>Leverage Plot 49</a:t>
+              <a:t>Leverage Plot 47</a:t>
             </a:r>
           </a:p>
         </p:txBody>
@@ -10271,7 +10273,7 @@
               </a:defRPr>
             </a:pPr>
             <a:r>
-              <a:t>Leverage Plot 50</a:t>
+              <a:t>Leverage Plot 48</a:t>
             </a:r>
           </a:p>
         </p:txBody>
@@ -10344,6 +10346,230 @@
 </file>
 
 <file path=ppt/slides/slide57.xml><?xml version="1.0" encoding="utf-8"?>
+<p:sld xmlns:a="http://schemas.openxmlformats.org/drawingml/2006/main" xmlns:p="http://schemas.openxmlformats.org/presentationml/2006/main" xmlns:r="http://schemas.openxmlformats.org/officeDocument/2006/relationships">
+  <p:cSld>
+    <p:spTree>
+      <p:nvGrpSpPr>
+        <p:cNvPr id="1" name=""/>
+        <p:cNvGrpSpPr/>
+        <p:nvPr/>
+      </p:nvGrpSpPr>
+      <p:grpSpPr/>
+      <p:sp>
+        <p:nvSpPr>
+          <p:cNvPr id="2" name="TextBox 1"/>
+          <p:cNvSpPr txBox="1"/>
+          <p:nvPr/>
+        </p:nvSpPr>
+        <p:spPr>
+          <a:xfrm>
+            <a:off x="457200" y="365760"/>
+            <a:ext cx="8229600" cy="548640"/>
+          </a:xfrm>
+          <a:prstGeom prst="rect">
+            <a:avLst/>
+          </a:prstGeom>
+          <a:noFill/>
+        </p:spPr>
+        <p:txBody>
+          <a:bodyPr wrap="none">
+            <a:spAutoFit/>
+          </a:bodyPr>
+          <a:lstStyle/>
+          <a:p>
+            <a:pPr>
+              <a:defRPr sz="4000" b="1">
+                <a:solidFill>
+                  <a:srgbClr val="1F4E79"/>
+                </a:solidFill>
+              </a:defRPr>
+            </a:pPr>
+            <a:r>
+              <a:t>Leverage Plot 49</a:t>
+            </a:r>
+          </a:p>
+        </p:txBody>
+      </p:sp>
+      <p:cxnSp>
+        <p:nvCxnSpPr>
+          <p:cNvPr id="3" name="Connector 2"/>
+          <p:cNvCxnSpPr/>
+          <p:nvPr/>
+        </p:nvCxnSpPr>
+        <p:spPr>
+          <a:xfrm>
+            <a:off x="457200" y="1005840"/>
+            <a:ext cx="8229600" cy="0"/>
+          </a:xfrm>
+          <a:prstGeom prst="line">
+            <a:avLst/>
+          </a:prstGeom>
+          <a:ln w="25400">
+            <a:solidFill>
+              <a:srgbClr val="1F4E79"/>
+            </a:solidFill>
+          </a:ln>
+        </p:spPr>
+        <p:style>
+          <a:lnRef idx="2">
+            <a:schemeClr val="accent1"/>
+          </a:lnRef>
+          <a:fillRef idx="0">
+            <a:schemeClr val="accent1"/>
+          </a:fillRef>
+          <a:effectRef idx="1">
+            <a:schemeClr val="accent1"/>
+          </a:effectRef>
+          <a:fontRef idx="minor">
+            <a:schemeClr val="tx1"/>
+          </a:fontRef>
+        </p:style>
+      </p:cxnSp>
+      <p:pic>
+        <p:nvPicPr>
+          <p:cNvPr id="4" name="Picture 3" descr="image.png"/>
+          <p:cNvPicPr>
+            <a:picLocks noChangeAspect="1"/>
+          </p:cNvPicPr>
+          <p:nvPr/>
+        </p:nvPicPr>
+        <p:blipFill>
+          <a:blip r:embed="rId2"/>
+          <a:stretch>
+            <a:fillRect/>
+          </a:stretch>
+        </p:blipFill>
+        <p:spPr>
+          <a:xfrm>
+            <a:off x="914400" y="1280160"/>
+            <a:ext cx="7315200" cy="4180114"/>
+          </a:xfrm>
+          <a:prstGeom prst="rect">
+            <a:avLst/>
+          </a:prstGeom>
+        </p:spPr>
+      </p:pic>
+    </p:spTree>
+  </p:cSld>
+  <p:clrMapOvr>
+    <a:masterClrMapping/>
+  </p:clrMapOvr>
+</p:sld>
+</file>
+
+<file path=ppt/slides/slide58.xml><?xml version="1.0" encoding="utf-8"?>
+<p:sld xmlns:a="http://schemas.openxmlformats.org/drawingml/2006/main" xmlns:p="http://schemas.openxmlformats.org/presentationml/2006/main" xmlns:r="http://schemas.openxmlformats.org/officeDocument/2006/relationships">
+  <p:cSld>
+    <p:spTree>
+      <p:nvGrpSpPr>
+        <p:cNvPr id="1" name=""/>
+        <p:cNvGrpSpPr/>
+        <p:nvPr/>
+      </p:nvGrpSpPr>
+      <p:grpSpPr/>
+      <p:sp>
+        <p:nvSpPr>
+          <p:cNvPr id="2" name="TextBox 1"/>
+          <p:cNvSpPr txBox="1"/>
+          <p:nvPr/>
+        </p:nvSpPr>
+        <p:spPr>
+          <a:xfrm>
+            <a:off x="457200" y="365760"/>
+            <a:ext cx="8229600" cy="548640"/>
+          </a:xfrm>
+          <a:prstGeom prst="rect">
+            <a:avLst/>
+          </a:prstGeom>
+          <a:noFill/>
+        </p:spPr>
+        <p:txBody>
+          <a:bodyPr wrap="none">
+            <a:spAutoFit/>
+          </a:bodyPr>
+          <a:lstStyle/>
+          <a:p>
+            <a:pPr>
+              <a:defRPr sz="4000" b="1">
+                <a:solidFill>
+                  <a:srgbClr val="1F4E79"/>
+                </a:solidFill>
+              </a:defRPr>
+            </a:pPr>
+            <a:r>
+              <a:t>Leverage Plot 50</a:t>
+            </a:r>
+          </a:p>
+        </p:txBody>
+      </p:sp>
+      <p:cxnSp>
+        <p:nvCxnSpPr>
+          <p:cNvPr id="3" name="Connector 2"/>
+          <p:cNvCxnSpPr/>
+          <p:nvPr/>
+        </p:nvCxnSpPr>
+        <p:spPr>
+          <a:xfrm>
+            <a:off x="457200" y="1005840"/>
+            <a:ext cx="8229600" cy="0"/>
+          </a:xfrm>
+          <a:prstGeom prst="line">
+            <a:avLst/>
+          </a:prstGeom>
+          <a:ln w="25400">
+            <a:solidFill>
+              <a:srgbClr val="1F4E79"/>
+            </a:solidFill>
+          </a:ln>
+        </p:spPr>
+        <p:style>
+          <a:lnRef idx="2">
+            <a:schemeClr val="accent1"/>
+          </a:lnRef>
+          <a:fillRef idx="0">
+            <a:schemeClr val="accent1"/>
+          </a:fillRef>
+          <a:effectRef idx="1">
+            <a:schemeClr val="accent1"/>
+          </a:effectRef>
+          <a:fontRef idx="minor">
+            <a:schemeClr val="tx1"/>
+          </a:fontRef>
+        </p:style>
+      </p:cxnSp>
+      <p:pic>
+        <p:nvPicPr>
+          <p:cNvPr id="4" name="Picture 3" descr="image.png"/>
+          <p:cNvPicPr>
+            <a:picLocks noChangeAspect="1"/>
+          </p:cNvPicPr>
+          <p:nvPr/>
+        </p:nvPicPr>
+        <p:blipFill>
+          <a:blip r:embed="rId2"/>
+          <a:stretch>
+            <a:fillRect/>
+          </a:stretch>
+        </p:blipFill>
+        <p:spPr>
+          <a:xfrm>
+            <a:off x="914400" y="1280160"/>
+            <a:ext cx="7315200" cy="4180114"/>
+          </a:xfrm>
+          <a:prstGeom prst="rect">
+            <a:avLst/>
+          </a:prstGeom>
+        </p:spPr>
+      </p:pic>
+    </p:spTree>
+  </p:cSld>
+  <p:clrMapOvr>
+    <a:masterClrMapping/>
+  </p:clrMapOvr>
+</p:sld>
+</file>
+
+<file path=ppt/slides/slide59.xml><?xml version="1.0" encoding="utf-8"?>
 <p:sld xmlns:a="http://schemas.openxmlformats.org/drawingml/2006/main" xmlns:p="http://schemas.openxmlformats.org/presentationml/2006/main" xmlns:r="http://schemas.openxmlformats.org/officeDocument/2006/relationships">
   <p:cSld>
     <p:spTree>
@@ -11098,7 +11324,7 @@
               </a:defRPr>
             </a:pPr>
             <a:r>
-              <a:t>Leverage Plot 1</a:t>
+              <a:t>Interaction Plot: Fan_Speed_Range × Rack_Unit</a:t>
             </a:r>
           </a:p>
         </p:txBody>
@@ -11155,7 +11381,7 @@
         <p:spPr>
           <a:xfrm>
             <a:off x="914400" y="1280160"/>
-            <a:ext cx="7315200" cy="4180114"/>
+            <a:ext cx="7315200" cy="4876800"/>
           </a:xfrm>
           <a:prstGeom prst="rect">
             <a:avLst/>
@@ -11210,7 +11436,7 @@
               </a:defRPr>
             </a:pPr>
             <a:r>
-              <a:t>Leverage Plot 2</a:t>
+              <a:t>Interaction Plot: Rack_Unit × Transceiver_Manufacturer</a:t>
             </a:r>
           </a:p>
         </p:txBody>
@@ -11267,7 +11493,7 @@
         <p:spPr>
           <a:xfrm>
             <a:off x="914400" y="1280160"/>
-            <a:ext cx="7315200" cy="4180114"/>
+            <a:ext cx="7315200" cy="4876800"/>
           </a:xfrm>
           <a:prstGeom prst="rect">
             <a:avLst/>
@@ -11322,7 +11548,7 @@
               </a:defRPr>
             </a:pPr>
             <a:r>
-              <a:t>Leverage Plot 3</a:t>
+              <a:t>Leverage Plot 1</a:t>
             </a:r>
           </a:p>
         </p:txBody>
